--- a/presentation.pptx
+++ b/presentation.pptx
@@ -7,6 +7,12 @@
   <p:sldIdLst>
     <p:sldId id="256" r:id="rId2"/>
     <p:sldId id="257" r:id="rId3"/>
+    <p:sldId id="260" r:id="rId4"/>
+    <p:sldId id="258" r:id="rId5"/>
+    <p:sldId id="259" r:id="rId6"/>
+    <p:sldId id="261" r:id="rId7"/>
+    <p:sldId id="262" r:id="rId8"/>
+    <p:sldId id="263" r:id="rId9"/>
   </p:sldIdLst>
   <p:sldSz cx="12192000" cy="6858000"/>
   <p:notesSz cx="6858000" cy="9144000"/>
@@ -105,6 +111,11 @@
       </a:defRPr>
     </a:lvl9pPr>
   </p:defaultTextStyle>
+  <p:extLst>
+    <p:ext uri="{EFAFB233-063F-42B5-8137-9DF3F51BA10A}">
+      <p15:sldGuideLst xmlns:p15="http://schemas.microsoft.com/office/powerpoint/2012/main"/>
+    </p:ext>
+  </p:extLst>
 </p:presentation>
 </file>
 
@@ -257,7 +268,7 @@
           <a:p>
             <a:fld id="{2556C88D-5146-4E79-9F66-1093BD31DE8E}" type="datetimeFigureOut">
               <a:rPr lang="en-CA" smtClean="0"/>
-              <a:t>2025-08-20</a:t>
+              <a:t>2025-08-21</a:t>
             </a:fld>
             <a:endParaRPr lang="en-CA"/>
           </a:p>
@@ -457,7 +468,7 @@
           <a:p>
             <a:fld id="{2556C88D-5146-4E79-9F66-1093BD31DE8E}" type="datetimeFigureOut">
               <a:rPr lang="en-CA" smtClean="0"/>
-              <a:t>2025-08-20</a:t>
+              <a:t>2025-08-21</a:t>
             </a:fld>
             <a:endParaRPr lang="en-CA"/>
           </a:p>
@@ -667,7 +678,7 @@
           <a:p>
             <a:fld id="{2556C88D-5146-4E79-9F66-1093BD31DE8E}" type="datetimeFigureOut">
               <a:rPr lang="en-CA" smtClean="0"/>
-              <a:t>2025-08-20</a:t>
+              <a:t>2025-08-21</a:t>
             </a:fld>
             <a:endParaRPr lang="en-CA"/>
           </a:p>
@@ -867,7 +878,7 @@
           <a:p>
             <a:fld id="{2556C88D-5146-4E79-9F66-1093BD31DE8E}" type="datetimeFigureOut">
               <a:rPr lang="en-CA" smtClean="0"/>
-              <a:t>2025-08-20</a:t>
+              <a:t>2025-08-21</a:t>
             </a:fld>
             <a:endParaRPr lang="en-CA"/>
           </a:p>
@@ -1143,7 +1154,7 @@
           <a:p>
             <a:fld id="{2556C88D-5146-4E79-9F66-1093BD31DE8E}" type="datetimeFigureOut">
               <a:rPr lang="en-CA" smtClean="0"/>
-              <a:t>2025-08-20</a:t>
+              <a:t>2025-08-21</a:t>
             </a:fld>
             <a:endParaRPr lang="en-CA"/>
           </a:p>
@@ -1411,7 +1422,7 @@
           <a:p>
             <a:fld id="{2556C88D-5146-4E79-9F66-1093BD31DE8E}" type="datetimeFigureOut">
               <a:rPr lang="en-CA" smtClean="0"/>
-              <a:t>2025-08-20</a:t>
+              <a:t>2025-08-21</a:t>
             </a:fld>
             <a:endParaRPr lang="en-CA"/>
           </a:p>
@@ -1826,7 +1837,7 @@
           <a:p>
             <a:fld id="{2556C88D-5146-4E79-9F66-1093BD31DE8E}" type="datetimeFigureOut">
               <a:rPr lang="en-CA" smtClean="0"/>
-              <a:t>2025-08-20</a:t>
+              <a:t>2025-08-21</a:t>
             </a:fld>
             <a:endParaRPr lang="en-CA"/>
           </a:p>
@@ -1968,7 +1979,7 @@
           <a:p>
             <a:fld id="{2556C88D-5146-4E79-9F66-1093BD31DE8E}" type="datetimeFigureOut">
               <a:rPr lang="en-CA" smtClean="0"/>
-              <a:t>2025-08-20</a:t>
+              <a:t>2025-08-21</a:t>
             </a:fld>
             <a:endParaRPr lang="en-CA"/>
           </a:p>
@@ -2081,7 +2092,7 @@
           <a:p>
             <a:fld id="{2556C88D-5146-4E79-9F66-1093BD31DE8E}" type="datetimeFigureOut">
               <a:rPr lang="en-CA" smtClean="0"/>
-              <a:t>2025-08-20</a:t>
+              <a:t>2025-08-21</a:t>
             </a:fld>
             <a:endParaRPr lang="en-CA"/>
           </a:p>
@@ -2394,7 +2405,7 @@
           <a:p>
             <a:fld id="{2556C88D-5146-4E79-9F66-1093BD31DE8E}" type="datetimeFigureOut">
               <a:rPr lang="en-CA" smtClean="0"/>
-              <a:t>2025-08-20</a:t>
+              <a:t>2025-08-21</a:t>
             </a:fld>
             <a:endParaRPr lang="en-CA"/>
           </a:p>
@@ -2683,7 +2694,7 @@
           <a:p>
             <a:fld id="{2556C88D-5146-4E79-9F66-1093BD31DE8E}" type="datetimeFigureOut">
               <a:rPr lang="en-CA" smtClean="0"/>
-              <a:t>2025-08-20</a:t>
+              <a:t>2025-08-21</a:t>
             </a:fld>
             <a:endParaRPr lang="en-CA"/>
           </a:p>
@@ -2926,7 +2937,7 @@
           <a:p>
             <a:fld id="{2556C88D-5146-4E79-9F66-1093BD31DE8E}" type="datetimeFigureOut">
               <a:rPr lang="en-CA" smtClean="0"/>
-              <a:t>2025-08-20</a:t>
+              <a:t>2025-08-21</a:t>
             </a:fld>
             <a:endParaRPr lang="en-CA"/>
           </a:p>
@@ -3345,6 +3356,58 @@
       </p:grpSpPr>
       <p:sp>
         <p:nvSpPr>
+          <p:cNvPr id="5" name="Rectangle 4">
+            <a:extLst>
+              <a:ext uri="{FF2B5EF4-FFF2-40B4-BE49-F238E27FC236}">
+                <a16:creationId xmlns:a16="http://schemas.microsoft.com/office/drawing/2014/main" id="{3C19F708-2A1A-4B65-8D1A-AB23B78A9304}"/>
+              </a:ext>
+            </a:extLst>
+          </p:cNvPr>
+          <p:cNvSpPr/>
+          <p:nvPr/>
+        </p:nvSpPr>
+        <p:spPr>
+          <a:xfrm>
+            <a:off x="1702128" y="1651661"/>
+            <a:ext cx="3768980" cy="942110"/>
+          </a:xfrm>
+          <a:prstGeom prst="rect">
+            <a:avLst/>
+          </a:prstGeom>
+          <a:solidFill>
+            <a:srgbClr val="2995A6"/>
+          </a:solidFill>
+          <a:ln>
+            <a:noFill/>
+          </a:ln>
+        </p:spPr>
+        <p:style>
+          <a:lnRef idx="2">
+            <a:schemeClr val="accent1">
+              <a:shade val="50000"/>
+            </a:schemeClr>
+          </a:lnRef>
+          <a:fillRef idx="1">
+            <a:schemeClr val="accent1"/>
+          </a:fillRef>
+          <a:effectRef idx="0">
+            <a:schemeClr val="accent1"/>
+          </a:effectRef>
+          <a:fontRef idx="minor">
+            <a:schemeClr val="lt1"/>
+          </a:fontRef>
+        </p:style>
+        <p:txBody>
+          <a:bodyPr rtlCol="0" anchor="ctr"/>
+          <a:lstStyle/>
+          <a:p>
+            <a:pPr algn="ctr"/>
+            <a:endParaRPr lang="en-CA"/>
+          </a:p>
+        </p:txBody>
+      </p:sp>
+      <p:sp>
+        <p:nvSpPr>
           <p:cNvPr id="2" name="Title 1">
             <a:extLst>
               <a:ext uri="{FF2B5EF4-FFF2-40B4-BE49-F238E27FC236}">
@@ -3367,8 +3430,16 @@
           <a:lstStyle/>
           <a:p>
             <a:r>
+              <a:rPr lang="en-CA" dirty="0">
+                <a:solidFill>
+                  <a:schemeClr val="bg1"/>
+                </a:solidFill>
+              </a:rPr>
+              <a:t>Reasoning</a:t>
+            </a:r>
+            <a:r>
               <a:rPr lang="en-CA" dirty="0"/>
-              <a:t>Reasoning Like a Reverse Engineer</a:t>
+              <a:t> Like a Reverse Engineer</a:t>
             </a:r>
           </a:p>
         </p:txBody>
@@ -3460,31 +3531,86 @@
           <a:bodyPr/>
           <a:lstStyle/>
           <a:p>
+            <a:r>
+              <a:rPr lang="en-CA" dirty="0"/>
+              <a:t>Motivation</a:t>
+            </a:r>
+          </a:p>
+        </p:txBody>
+      </p:sp>
+      <p:sp>
+        <p:nvSpPr>
+          <p:cNvPr id="3" name="Content Placeholder 2">
+            <a:extLst>
+              <a:ext uri="{FF2B5EF4-FFF2-40B4-BE49-F238E27FC236}">
+                <a16:creationId xmlns:a16="http://schemas.microsoft.com/office/drawing/2014/main" id="{3AC0D3FA-686C-4790-A7BC-4CE8F510D509}"/>
+              </a:ext>
+            </a:extLst>
+          </p:cNvPr>
+          <p:cNvSpPr>
+            <a:spLocks noGrp="1"/>
+          </p:cNvSpPr>
+          <p:nvPr>
+            <p:ph idx="1"/>
+          </p:nvPr>
+        </p:nvSpPr>
+        <p:spPr/>
+        <p:txBody>
+          <a:bodyPr/>
+          <a:lstStyle/>
+          <a:p>
             <a:endParaRPr lang="en-CA" dirty="0"/>
           </a:p>
         </p:txBody>
       </p:sp>
       <p:sp>
         <p:nvSpPr>
-          <p:cNvPr id="3" name="Content Placeholder 2">
-            <a:extLst>
-              <a:ext uri="{FF2B5EF4-FFF2-40B4-BE49-F238E27FC236}">
-                <a16:creationId xmlns:a16="http://schemas.microsoft.com/office/drawing/2014/main" id="{3AC0D3FA-686C-4790-A7BC-4CE8F510D509}"/>
-              </a:ext>
-            </a:extLst>
-          </p:cNvPr>
-          <p:cNvSpPr>
-            <a:spLocks noGrp="1"/>
-          </p:cNvSpPr>
-          <p:nvPr>
-            <p:ph idx="1"/>
-          </p:nvPr>
-        </p:nvSpPr>
-        <p:spPr/>
-        <p:txBody>
-          <a:bodyPr/>
-          <a:lstStyle/>
-          <a:p>
+          <p:cNvPr id="6" name="L-Shape 5">
+            <a:extLst>
+              <a:ext uri="{FF2B5EF4-FFF2-40B4-BE49-F238E27FC236}">
+                <a16:creationId xmlns:a16="http://schemas.microsoft.com/office/drawing/2014/main" id="{DDBC3CD0-AD61-4C0E-A672-ADAEFCCD6E83}"/>
+              </a:ext>
+            </a:extLst>
+          </p:cNvPr>
+          <p:cNvSpPr/>
+          <p:nvPr/>
+        </p:nvSpPr>
+        <p:spPr>
+          <a:xfrm rot="20593866">
+            <a:off x="8615200" y="344843"/>
+            <a:ext cx="1511558" cy="1455510"/>
+          </a:xfrm>
+          <a:prstGeom prst="corner">
+            <a:avLst/>
+          </a:prstGeom>
+          <a:solidFill>
+            <a:srgbClr val="F62155"/>
+          </a:solidFill>
+          <a:ln>
+            <a:noFill/>
+          </a:ln>
+        </p:spPr>
+        <p:style>
+          <a:lnRef idx="2">
+            <a:schemeClr val="accent1">
+              <a:shade val="50000"/>
+            </a:schemeClr>
+          </a:lnRef>
+          <a:fillRef idx="1">
+            <a:schemeClr val="accent1"/>
+          </a:fillRef>
+          <a:effectRef idx="0">
+            <a:schemeClr val="accent1"/>
+          </a:effectRef>
+          <a:fontRef idx="minor">
+            <a:schemeClr val="lt1"/>
+          </a:fontRef>
+        </p:style>
+        <p:txBody>
+          <a:bodyPr rtlCol="0" anchor="ctr"/>
+          <a:lstStyle/>
+          <a:p>
+            <a:pPr algn="ctr"/>
             <a:endParaRPr lang="en-CA"/>
           </a:p>
         </p:txBody>
@@ -3493,6 +3619,825 @@
     <p:extLst>
       <p:ext uri="{BB962C8B-B14F-4D97-AF65-F5344CB8AC3E}">
         <p14:creationId xmlns:p14="http://schemas.microsoft.com/office/powerpoint/2010/main" val="1879515488"/>
+      </p:ext>
+    </p:extLst>
+  </p:cSld>
+  <p:clrMapOvr>
+    <a:masterClrMapping/>
+  </p:clrMapOvr>
+</p:sld>
+</file>
+
+<file path=ppt/slides/slide3.xml><?xml version="1.0" encoding="utf-8"?>
+<p:sld xmlns:a="http://schemas.openxmlformats.org/drawingml/2006/main" xmlns:r="http://schemas.openxmlformats.org/officeDocument/2006/relationships" xmlns:p="http://schemas.openxmlformats.org/presentationml/2006/main">
+  <p:cSld>
+    <p:spTree>
+      <p:nvGrpSpPr>
+        <p:cNvPr id="1" name=""/>
+        <p:cNvGrpSpPr/>
+        <p:nvPr/>
+      </p:nvGrpSpPr>
+      <p:grpSpPr>
+        <a:xfrm>
+          <a:off x="0" y="0"/>
+          <a:ext cx="0" cy="0"/>
+          <a:chOff x="0" y="0"/>
+          <a:chExt cx="0" cy="0"/>
+        </a:xfrm>
+      </p:grpSpPr>
+      <p:sp>
+        <p:nvSpPr>
+          <p:cNvPr id="2" name="Title 1">
+            <a:extLst>
+              <a:ext uri="{FF2B5EF4-FFF2-40B4-BE49-F238E27FC236}">
+                <a16:creationId xmlns:a16="http://schemas.microsoft.com/office/drawing/2014/main" id="{3BF51ECB-3796-4BE2-A1D4-0D38EEF4D172}"/>
+              </a:ext>
+            </a:extLst>
+          </p:cNvPr>
+          <p:cNvSpPr>
+            <a:spLocks noGrp="1"/>
+          </p:cNvSpPr>
+          <p:nvPr>
+            <p:ph type="title"/>
+          </p:nvPr>
+        </p:nvSpPr>
+        <p:spPr/>
+        <p:txBody>
+          <a:bodyPr/>
+          <a:lstStyle/>
+          <a:p>
+            <a:r>
+              <a:rPr lang="en-CA" dirty="0"/>
+              <a:t>Early methods</a:t>
+            </a:r>
+          </a:p>
+        </p:txBody>
+      </p:sp>
+      <p:sp>
+        <p:nvSpPr>
+          <p:cNvPr id="3" name="Content Placeholder 2">
+            <a:extLst>
+              <a:ext uri="{FF2B5EF4-FFF2-40B4-BE49-F238E27FC236}">
+                <a16:creationId xmlns:a16="http://schemas.microsoft.com/office/drawing/2014/main" id="{43958580-6E48-4443-A947-586B39E83B5E}"/>
+              </a:ext>
+            </a:extLst>
+          </p:cNvPr>
+          <p:cNvSpPr>
+            <a:spLocks noGrp="1"/>
+          </p:cNvSpPr>
+          <p:nvPr>
+            <p:ph idx="1"/>
+          </p:nvPr>
+        </p:nvSpPr>
+        <p:spPr/>
+        <p:txBody>
+          <a:bodyPr/>
+          <a:lstStyle/>
+          <a:p>
+            <a:endParaRPr lang="en-CA" dirty="0"/>
+          </a:p>
+        </p:txBody>
+      </p:sp>
+      <p:sp>
+        <p:nvSpPr>
+          <p:cNvPr id="4" name="Isosceles Triangle 3">
+            <a:extLst>
+              <a:ext uri="{FF2B5EF4-FFF2-40B4-BE49-F238E27FC236}">
+                <a16:creationId xmlns:a16="http://schemas.microsoft.com/office/drawing/2014/main" id="{4AC05AA5-6A74-45A3-B6B6-D8F343C4A36C}"/>
+              </a:ext>
+            </a:extLst>
+          </p:cNvPr>
+          <p:cNvSpPr/>
+          <p:nvPr/>
+        </p:nvSpPr>
+        <p:spPr>
+          <a:xfrm rot="560992">
+            <a:off x="427575" y="4511061"/>
+            <a:ext cx="1868968" cy="1611180"/>
+          </a:xfrm>
+          <a:prstGeom prst="triangle">
+            <a:avLst/>
+          </a:prstGeom>
+          <a:solidFill>
+            <a:srgbClr val="FFCC00"/>
+          </a:solidFill>
+          <a:ln>
+            <a:noFill/>
+          </a:ln>
+        </p:spPr>
+        <p:style>
+          <a:lnRef idx="2">
+            <a:schemeClr val="accent1">
+              <a:shade val="50000"/>
+            </a:schemeClr>
+          </a:lnRef>
+          <a:fillRef idx="1">
+            <a:schemeClr val="accent1"/>
+          </a:fillRef>
+          <a:effectRef idx="0">
+            <a:schemeClr val="accent1"/>
+          </a:effectRef>
+          <a:fontRef idx="minor">
+            <a:schemeClr val="lt1"/>
+          </a:fontRef>
+        </p:style>
+        <p:txBody>
+          <a:bodyPr rtlCol="0" anchor="ctr"/>
+          <a:lstStyle/>
+          <a:p>
+            <a:pPr algn="ctr"/>
+            <a:endParaRPr lang="en-CA" dirty="0"/>
+          </a:p>
+        </p:txBody>
+      </p:sp>
+    </p:spTree>
+    <p:extLst>
+      <p:ext uri="{BB962C8B-B14F-4D97-AF65-F5344CB8AC3E}">
+        <p14:creationId xmlns:p14="http://schemas.microsoft.com/office/powerpoint/2010/main" val="2273288100"/>
+      </p:ext>
+    </p:extLst>
+  </p:cSld>
+  <p:clrMapOvr>
+    <a:masterClrMapping/>
+  </p:clrMapOvr>
+</p:sld>
+</file>
+
+<file path=ppt/slides/slide4.xml><?xml version="1.0" encoding="utf-8"?>
+<p:sld xmlns:a="http://schemas.openxmlformats.org/drawingml/2006/main" xmlns:r="http://schemas.openxmlformats.org/officeDocument/2006/relationships" xmlns:p="http://schemas.openxmlformats.org/presentationml/2006/main">
+  <p:cSld>
+    <p:spTree>
+      <p:nvGrpSpPr>
+        <p:cNvPr id="1" name=""/>
+        <p:cNvGrpSpPr/>
+        <p:nvPr/>
+      </p:nvGrpSpPr>
+      <p:grpSpPr>
+        <a:xfrm>
+          <a:off x="0" y="0"/>
+          <a:ext cx="0" cy="0"/>
+          <a:chOff x="0" y="0"/>
+          <a:chExt cx="0" cy="0"/>
+        </a:xfrm>
+      </p:grpSpPr>
+      <p:sp>
+        <p:nvSpPr>
+          <p:cNvPr id="2" name="Title 1">
+            <a:extLst>
+              <a:ext uri="{FF2B5EF4-FFF2-40B4-BE49-F238E27FC236}">
+                <a16:creationId xmlns:a16="http://schemas.microsoft.com/office/drawing/2014/main" id="{4708D53D-5AC3-4167-A99B-FD0CB9ED4B78}"/>
+              </a:ext>
+            </a:extLst>
+          </p:cNvPr>
+          <p:cNvSpPr>
+            <a:spLocks noGrp="1"/>
+          </p:cNvSpPr>
+          <p:nvPr>
+            <p:ph type="title"/>
+          </p:nvPr>
+        </p:nvSpPr>
+        <p:spPr/>
+        <p:txBody>
+          <a:bodyPr/>
+          <a:lstStyle/>
+          <a:p>
+            <a:r>
+              <a:rPr lang="en-CA" dirty="0"/>
+              <a:t>Current State of the Art</a:t>
+            </a:r>
+          </a:p>
+        </p:txBody>
+      </p:sp>
+      <p:sp>
+        <p:nvSpPr>
+          <p:cNvPr id="3" name="Content Placeholder 2">
+            <a:extLst>
+              <a:ext uri="{FF2B5EF4-FFF2-40B4-BE49-F238E27FC236}">
+                <a16:creationId xmlns:a16="http://schemas.microsoft.com/office/drawing/2014/main" id="{54D3395E-1905-4034-B32C-D2F657785560}"/>
+              </a:ext>
+            </a:extLst>
+          </p:cNvPr>
+          <p:cNvSpPr>
+            <a:spLocks noGrp="1"/>
+          </p:cNvSpPr>
+          <p:nvPr>
+            <p:ph idx="1"/>
+          </p:nvPr>
+        </p:nvSpPr>
+        <p:spPr/>
+        <p:txBody>
+          <a:bodyPr/>
+          <a:lstStyle/>
+          <a:p>
+            <a:endParaRPr lang="en-CA" dirty="0"/>
+          </a:p>
+        </p:txBody>
+      </p:sp>
+      <p:sp>
+        <p:nvSpPr>
+          <p:cNvPr id="5" name="Partial Circle 4">
+            <a:extLst>
+              <a:ext uri="{FF2B5EF4-FFF2-40B4-BE49-F238E27FC236}">
+                <a16:creationId xmlns:a16="http://schemas.microsoft.com/office/drawing/2014/main" id="{80577D6E-43CE-444C-BE16-A2780F1FE44F}"/>
+              </a:ext>
+            </a:extLst>
+          </p:cNvPr>
+          <p:cNvSpPr/>
+          <p:nvPr/>
+        </p:nvSpPr>
+        <p:spPr>
+          <a:xfrm>
+            <a:off x="8804031" y="3727939"/>
+            <a:ext cx="2305538" cy="2305538"/>
+          </a:xfrm>
+          <a:prstGeom prst="pie">
+            <a:avLst>
+              <a:gd name="adj1" fmla="val 0"/>
+              <a:gd name="adj2" fmla="val 6860271"/>
+            </a:avLst>
+          </a:prstGeom>
+          <a:solidFill>
+            <a:srgbClr val="40EA91"/>
+          </a:solidFill>
+          <a:ln>
+            <a:noFill/>
+          </a:ln>
+        </p:spPr>
+        <p:style>
+          <a:lnRef idx="2">
+            <a:schemeClr val="accent1">
+              <a:shade val="50000"/>
+            </a:schemeClr>
+          </a:lnRef>
+          <a:fillRef idx="1">
+            <a:schemeClr val="accent1"/>
+          </a:fillRef>
+          <a:effectRef idx="0">
+            <a:schemeClr val="accent1"/>
+          </a:effectRef>
+          <a:fontRef idx="minor">
+            <a:schemeClr val="lt1"/>
+          </a:fontRef>
+        </p:style>
+        <p:txBody>
+          <a:bodyPr rtlCol="0" anchor="ctr"/>
+          <a:lstStyle/>
+          <a:p>
+            <a:pPr algn="ctr"/>
+            <a:endParaRPr lang="en-CA">
+              <a:solidFill>
+                <a:schemeClr val="tx1"/>
+              </a:solidFill>
+            </a:endParaRPr>
+          </a:p>
+        </p:txBody>
+      </p:sp>
+    </p:spTree>
+    <p:extLst>
+      <p:ext uri="{BB962C8B-B14F-4D97-AF65-F5344CB8AC3E}">
+        <p14:creationId xmlns:p14="http://schemas.microsoft.com/office/powerpoint/2010/main" val="164196777"/>
+      </p:ext>
+    </p:extLst>
+  </p:cSld>
+  <p:clrMapOvr>
+    <a:masterClrMapping/>
+  </p:clrMapOvr>
+</p:sld>
+</file>
+
+<file path=ppt/slides/slide5.xml><?xml version="1.0" encoding="utf-8"?>
+<p:sld xmlns:a="http://schemas.openxmlformats.org/drawingml/2006/main" xmlns:r="http://schemas.openxmlformats.org/officeDocument/2006/relationships" xmlns:p="http://schemas.openxmlformats.org/presentationml/2006/main">
+  <p:cSld>
+    <p:spTree>
+      <p:nvGrpSpPr>
+        <p:cNvPr id="1" name=""/>
+        <p:cNvGrpSpPr/>
+        <p:nvPr/>
+      </p:nvGrpSpPr>
+      <p:grpSpPr>
+        <a:xfrm>
+          <a:off x="0" y="0"/>
+          <a:ext cx="0" cy="0"/>
+          <a:chOff x="0" y="0"/>
+          <a:chExt cx="0" cy="0"/>
+        </a:xfrm>
+      </p:grpSpPr>
+      <p:sp>
+        <p:nvSpPr>
+          <p:cNvPr id="5" name="Plus Sign 4">
+            <a:extLst>
+              <a:ext uri="{FF2B5EF4-FFF2-40B4-BE49-F238E27FC236}">
+                <a16:creationId xmlns:a16="http://schemas.microsoft.com/office/drawing/2014/main" id="{18900B3C-32EA-4F81-920B-13FF7E4A7B13}"/>
+              </a:ext>
+            </a:extLst>
+          </p:cNvPr>
+          <p:cNvSpPr/>
+          <p:nvPr/>
+        </p:nvSpPr>
+        <p:spPr>
+          <a:xfrm rot="6213315">
+            <a:off x="8297093" y="553719"/>
+            <a:ext cx="2340227" cy="2340227"/>
+          </a:xfrm>
+          <a:prstGeom prst="mathPlus">
+            <a:avLst/>
+          </a:prstGeom>
+          <a:solidFill>
+            <a:srgbClr val="2514FF"/>
+          </a:solidFill>
+          <a:ln>
+            <a:noFill/>
+          </a:ln>
+        </p:spPr>
+        <p:style>
+          <a:lnRef idx="2">
+            <a:schemeClr val="accent1">
+              <a:shade val="50000"/>
+            </a:schemeClr>
+          </a:lnRef>
+          <a:fillRef idx="1">
+            <a:schemeClr val="accent1"/>
+          </a:fillRef>
+          <a:effectRef idx="0">
+            <a:schemeClr val="accent1"/>
+          </a:effectRef>
+          <a:fontRef idx="minor">
+            <a:schemeClr val="lt1"/>
+          </a:fontRef>
+        </p:style>
+        <p:txBody>
+          <a:bodyPr rtlCol="0" anchor="ctr"/>
+          <a:lstStyle/>
+          <a:p>
+            <a:pPr algn="ctr"/>
+            <a:endParaRPr lang="en-CA"/>
+          </a:p>
+        </p:txBody>
+      </p:sp>
+      <p:sp>
+        <p:nvSpPr>
+          <p:cNvPr id="2" name="Title 1">
+            <a:extLst>
+              <a:ext uri="{FF2B5EF4-FFF2-40B4-BE49-F238E27FC236}">
+                <a16:creationId xmlns:a16="http://schemas.microsoft.com/office/drawing/2014/main" id="{2E8DC468-7D0A-4CC0-B096-A087E8634A74}"/>
+              </a:ext>
+            </a:extLst>
+          </p:cNvPr>
+          <p:cNvSpPr>
+            <a:spLocks noGrp="1"/>
+          </p:cNvSpPr>
+          <p:nvPr>
+            <p:ph type="title"/>
+          </p:nvPr>
+        </p:nvSpPr>
+        <p:spPr/>
+        <p:txBody>
+          <a:bodyPr/>
+          <a:lstStyle/>
+          <a:p>
+            <a:r>
+              <a:rPr lang="en-CA" dirty="0"/>
+              <a:t>What we do</a:t>
+            </a:r>
+          </a:p>
+        </p:txBody>
+      </p:sp>
+      <p:sp>
+        <p:nvSpPr>
+          <p:cNvPr id="3" name="Content Placeholder 2">
+            <a:extLst>
+              <a:ext uri="{FF2B5EF4-FFF2-40B4-BE49-F238E27FC236}">
+                <a16:creationId xmlns:a16="http://schemas.microsoft.com/office/drawing/2014/main" id="{F7636949-E802-4316-8831-D0A0DEF3D46F}"/>
+              </a:ext>
+            </a:extLst>
+          </p:cNvPr>
+          <p:cNvSpPr>
+            <a:spLocks noGrp="1"/>
+          </p:cNvSpPr>
+          <p:nvPr>
+            <p:ph idx="1"/>
+          </p:nvPr>
+        </p:nvSpPr>
+        <p:spPr/>
+        <p:txBody>
+          <a:bodyPr/>
+          <a:lstStyle/>
+          <a:p>
+            <a:endParaRPr lang="en-CA" dirty="0"/>
+          </a:p>
+        </p:txBody>
+      </p:sp>
+    </p:spTree>
+    <p:extLst>
+      <p:ext uri="{BB962C8B-B14F-4D97-AF65-F5344CB8AC3E}">
+        <p14:creationId xmlns:p14="http://schemas.microsoft.com/office/powerpoint/2010/main" val="4007684814"/>
+      </p:ext>
+    </p:extLst>
+  </p:cSld>
+  <p:clrMapOvr>
+    <a:masterClrMapping/>
+  </p:clrMapOvr>
+</p:sld>
+</file>
+
+<file path=ppt/slides/slide6.xml><?xml version="1.0" encoding="utf-8"?>
+<p:sld xmlns:a="http://schemas.openxmlformats.org/drawingml/2006/main" xmlns:r="http://schemas.openxmlformats.org/officeDocument/2006/relationships" xmlns:p="http://schemas.openxmlformats.org/presentationml/2006/main">
+  <p:cSld>
+    <p:spTree>
+      <p:nvGrpSpPr>
+        <p:cNvPr id="1" name=""/>
+        <p:cNvGrpSpPr/>
+        <p:nvPr/>
+      </p:nvGrpSpPr>
+      <p:grpSpPr>
+        <a:xfrm>
+          <a:off x="0" y="0"/>
+          <a:ext cx="0" cy="0"/>
+          <a:chOff x="0" y="0"/>
+          <a:chExt cx="0" cy="0"/>
+        </a:xfrm>
+      </p:grpSpPr>
+      <p:sp>
+        <p:nvSpPr>
+          <p:cNvPr id="5" name="Heptagon 4">
+            <a:extLst>
+              <a:ext uri="{FF2B5EF4-FFF2-40B4-BE49-F238E27FC236}">
+                <a16:creationId xmlns:a16="http://schemas.microsoft.com/office/drawing/2014/main" id="{6D934F71-14F3-4A4B-8877-A86B98768BF1}"/>
+              </a:ext>
+            </a:extLst>
+          </p:cNvPr>
+          <p:cNvSpPr/>
+          <p:nvPr/>
+        </p:nvSpPr>
+        <p:spPr>
+          <a:xfrm rot="20819542">
+            <a:off x="74687" y="1195942"/>
+            <a:ext cx="1685229" cy="1685229"/>
+          </a:xfrm>
+          <a:prstGeom prst="heptagon">
+            <a:avLst/>
+          </a:prstGeom>
+          <a:solidFill>
+            <a:srgbClr val="F62155"/>
+          </a:solidFill>
+          <a:ln>
+            <a:noFill/>
+          </a:ln>
+        </p:spPr>
+        <p:style>
+          <a:lnRef idx="2">
+            <a:schemeClr val="accent1">
+              <a:shade val="50000"/>
+            </a:schemeClr>
+          </a:lnRef>
+          <a:fillRef idx="1">
+            <a:schemeClr val="accent1"/>
+          </a:fillRef>
+          <a:effectRef idx="0">
+            <a:schemeClr val="accent1"/>
+          </a:effectRef>
+          <a:fontRef idx="minor">
+            <a:schemeClr val="lt1"/>
+          </a:fontRef>
+        </p:style>
+        <p:txBody>
+          <a:bodyPr rtlCol="0" anchor="ctr"/>
+          <a:lstStyle/>
+          <a:p>
+            <a:pPr algn="ctr"/>
+            <a:endParaRPr lang="en-CA"/>
+          </a:p>
+        </p:txBody>
+      </p:sp>
+      <p:sp>
+        <p:nvSpPr>
+          <p:cNvPr id="2" name="Title 1">
+            <a:extLst>
+              <a:ext uri="{FF2B5EF4-FFF2-40B4-BE49-F238E27FC236}">
+                <a16:creationId xmlns:a16="http://schemas.microsoft.com/office/drawing/2014/main" id="{C55A4121-C55C-4E0A-A150-BFC4B624E5A9}"/>
+              </a:ext>
+            </a:extLst>
+          </p:cNvPr>
+          <p:cNvSpPr>
+            <a:spLocks noGrp="1"/>
+          </p:cNvSpPr>
+          <p:nvPr>
+            <p:ph type="title"/>
+          </p:nvPr>
+        </p:nvSpPr>
+        <p:spPr/>
+        <p:txBody>
+          <a:bodyPr/>
+          <a:lstStyle/>
+          <a:p>
+            <a:r>
+              <a:rPr lang="en-CA" dirty="0"/>
+              <a:t>Example</a:t>
+            </a:r>
+          </a:p>
+        </p:txBody>
+      </p:sp>
+      <p:sp>
+        <p:nvSpPr>
+          <p:cNvPr id="3" name="Content Placeholder 2">
+            <a:extLst>
+              <a:ext uri="{FF2B5EF4-FFF2-40B4-BE49-F238E27FC236}">
+                <a16:creationId xmlns:a16="http://schemas.microsoft.com/office/drawing/2014/main" id="{842DEB7A-549F-4A56-A971-34902C302300}"/>
+              </a:ext>
+            </a:extLst>
+          </p:cNvPr>
+          <p:cNvSpPr>
+            <a:spLocks noGrp="1"/>
+          </p:cNvSpPr>
+          <p:nvPr>
+            <p:ph idx="1"/>
+          </p:nvPr>
+        </p:nvSpPr>
+        <p:spPr/>
+        <p:txBody>
+          <a:bodyPr/>
+          <a:lstStyle/>
+          <a:p>
+            <a:endParaRPr lang="en-CA" dirty="0"/>
+          </a:p>
+        </p:txBody>
+      </p:sp>
+    </p:spTree>
+    <p:extLst>
+      <p:ext uri="{BB962C8B-B14F-4D97-AF65-F5344CB8AC3E}">
+        <p14:creationId xmlns:p14="http://schemas.microsoft.com/office/powerpoint/2010/main" val="3765750549"/>
+      </p:ext>
+    </p:extLst>
+  </p:cSld>
+  <p:clrMapOvr>
+    <a:masterClrMapping/>
+  </p:clrMapOvr>
+</p:sld>
+</file>
+
+<file path=ppt/slides/slide7.xml><?xml version="1.0" encoding="utf-8"?>
+<p:sld xmlns:a="http://schemas.openxmlformats.org/drawingml/2006/main" xmlns:r="http://schemas.openxmlformats.org/officeDocument/2006/relationships" xmlns:p="http://schemas.openxmlformats.org/presentationml/2006/main">
+  <p:cSld>
+    <p:spTree>
+      <p:nvGrpSpPr>
+        <p:cNvPr id="1" name=""/>
+        <p:cNvGrpSpPr/>
+        <p:nvPr/>
+      </p:nvGrpSpPr>
+      <p:grpSpPr>
+        <a:xfrm>
+          <a:off x="0" y="0"/>
+          <a:ext cx="0" cy="0"/>
+          <a:chOff x="0" y="0"/>
+          <a:chExt cx="0" cy="0"/>
+        </a:xfrm>
+      </p:grpSpPr>
+      <p:sp>
+        <p:nvSpPr>
+          <p:cNvPr id="2" name="Title 1">
+            <a:extLst>
+              <a:ext uri="{FF2B5EF4-FFF2-40B4-BE49-F238E27FC236}">
+                <a16:creationId xmlns:a16="http://schemas.microsoft.com/office/drawing/2014/main" id="{3BBF8D98-4EBE-4D20-B14A-FF1F550497A4}"/>
+              </a:ext>
+            </a:extLst>
+          </p:cNvPr>
+          <p:cNvSpPr>
+            <a:spLocks noGrp="1"/>
+          </p:cNvSpPr>
+          <p:nvPr>
+            <p:ph type="title"/>
+          </p:nvPr>
+        </p:nvSpPr>
+        <p:spPr/>
+        <p:txBody>
+          <a:bodyPr/>
+          <a:lstStyle/>
+          <a:p>
+            <a:r>
+              <a:rPr lang="en-CA" dirty="0"/>
+              <a:t>Results</a:t>
+            </a:r>
+          </a:p>
+        </p:txBody>
+      </p:sp>
+      <p:sp>
+        <p:nvSpPr>
+          <p:cNvPr id="3" name="Content Placeholder 2">
+            <a:extLst>
+              <a:ext uri="{FF2B5EF4-FFF2-40B4-BE49-F238E27FC236}">
+                <a16:creationId xmlns:a16="http://schemas.microsoft.com/office/drawing/2014/main" id="{4B335978-4723-49D2-A9A7-F1E17E8E1917}"/>
+              </a:ext>
+            </a:extLst>
+          </p:cNvPr>
+          <p:cNvSpPr>
+            <a:spLocks noGrp="1"/>
+          </p:cNvSpPr>
+          <p:nvPr>
+            <p:ph idx="1"/>
+          </p:nvPr>
+        </p:nvSpPr>
+        <p:spPr/>
+        <p:txBody>
+          <a:bodyPr/>
+          <a:lstStyle/>
+          <a:p>
+            <a:endParaRPr lang="en-CA" dirty="0"/>
+          </a:p>
+        </p:txBody>
+      </p:sp>
+      <p:sp>
+        <p:nvSpPr>
+          <p:cNvPr id="6" name="Rectangle: Single Corner Snipped 5">
+            <a:extLst>
+              <a:ext uri="{FF2B5EF4-FFF2-40B4-BE49-F238E27FC236}">
+                <a16:creationId xmlns:a16="http://schemas.microsoft.com/office/drawing/2014/main" id="{A1FD76DF-2387-4ACA-AE5D-72A3E5EA6BD4}"/>
+              </a:ext>
+            </a:extLst>
+          </p:cNvPr>
+          <p:cNvSpPr/>
+          <p:nvPr/>
+        </p:nvSpPr>
+        <p:spPr>
+          <a:xfrm rot="8078944">
+            <a:off x="500070" y="4949377"/>
+            <a:ext cx="1042886" cy="1377210"/>
+          </a:xfrm>
+          <a:prstGeom prst="snip1Rect">
+            <a:avLst>
+              <a:gd name="adj" fmla="val 50000"/>
+            </a:avLst>
+          </a:prstGeom>
+          <a:solidFill>
+            <a:srgbClr val="FFCC00"/>
+          </a:solidFill>
+          <a:ln>
+            <a:noFill/>
+          </a:ln>
+        </p:spPr>
+        <p:style>
+          <a:lnRef idx="2">
+            <a:schemeClr val="accent1">
+              <a:shade val="50000"/>
+            </a:schemeClr>
+          </a:lnRef>
+          <a:fillRef idx="1">
+            <a:schemeClr val="accent1"/>
+          </a:fillRef>
+          <a:effectRef idx="0">
+            <a:schemeClr val="accent1"/>
+          </a:effectRef>
+          <a:fontRef idx="minor">
+            <a:schemeClr val="lt1"/>
+          </a:fontRef>
+        </p:style>
+        <p:txBody>
+          <a:bodyPr rtlCol="0" anchor="ctr"/>
+          <a:lstStyle/>
+          <a:p>
+            <a:pPr algn="ctr"/>
+            <a:endParaRPr lang="en-CA"/>
+          </a:p>
+        </p:txBody>
+      </p:sp>
+    </p:spTree>
+    <p:extLst>
+      <p:ext uri="{BB962C8B-B14F-4D97-AF65-F5344CB8AC3E}">
+        <p14:creationId xmlns:p14="http://schemas.microsoft.com/office/powerpoint/2010/main" val="1143365770"/>
+      </p:ext>
+    </p:extLst>
+  </p:cSld>
+  <p:clrMapOvr>
+    <a:masterClrMapping/>
+  </p:clrMapOvr>
+</p:sld>
+</file>
+
+<file path=ppt/slides/slide8.xml><?xml version="1.0" encoding="utf-8"?>
+<p:sld xmlns:a="http://schemas.openxmlformats.org/drawingml/2006/main" xmlns:r="http://schemas.openxmlformats.org/officeDocument/2006/relationships" xmlns:p="http://schemas.openxmlformats.org/presentationml/2006/main">
+  <p:cSld>
+    <p:spTree>
+      <p:nvGrpSpPr>
+        <p:cNvPr id="1" name=""/>
+        <p:cNvGrpSpPr/>
+        <p:nvPr/>
+      </p:nvGrpSpPr>
+      <p:grpSpPr>
+        <a:xfrm>
+          <a:off x="0" y="0"/>
+          <a:ext cx="0" cy="0"/>
+          <a:chOff x="0" y="0"/>
+          <a:chExt cx="0" cy="0"/>
+        </a:xfrm>
+      </p:grpSpPr>
+      <p:sp>
+        <p:nvSpPr>
+          <p:cNvPr id="2" name="Title 1">
+            <a:extLst>
+              <a:ext uri="{FF2B5EF4-FFF2-40B4-BE49-F238E27FC236}">
+                <a16:creationId xmlns:a16="http://schemas.microsoft.com/office/drawing/2014/main" id="{DF5DB316-1226-4D5B-9934-A3298F86C16A}"/>
+              </a:ext>
+            </a:extLst>
+          </p:cNvPr>
+          <p:cNvSpPr>
+            <a:spLocks noGrp="1"/>
+          </p:cNvSpPr>
+          <p:nvPr>
+            <p:ph type="title"/>
+          </p:nvPr>
+        </p:nvSpPr>
+        <p:spPr/>
+        <p:txBody>
+          <a:bodyPr/>
+          <a:lstStyle/>
+          <a:p>
+            <a:r>
+              <a:rPr lang="en-CA" dirty="0"/>
+              <a:t>Thanks</a:t>
+            </a:r>
+          </a:p>
+        </p:txBody>
+      </p:sp>
+      <p:sp>
+        <p:nvSpPr>
+          <p:cNvPr id="3" name="Content Placeholder 2">
+            <a:extLst>
+              <a:ext uri="{FF2B5EF4-FFF2-40B4-BE49-F238E27FC236}">
+                <a16:creationId xmlns:a16="http://schemas.microsoft.com/office/drawing/2014/main" id="{BB2798A0-8217-4781-A322-C40A6A89FB2B}"/>
+              </a:ext>
+            </a:extLst>
+          </p:cNvPr>
+          <p:cNvSpPr>
+            <a:spLocks noGrp="1"/>
+          </p:cNvSpPr>
+          <p:nvPr>
+            <p:ph idx="1"/>
+          </p:nvPr>
+        </p:nvSpPr>
+        <p:spPr/>
+        <p:txBody>
+          <a:bodyPr/>
+          <a:lstStyle/>
+          <a:p>
+            <a:endParaRPr lang="en-CA" dirty="0"/>
+          </a:p>
+        </p:txBody>
+      </p:sp>
+      <p:sp>
+        <p:nvSpPr>
+          <p:cNvPr id="4" name="Rectangle 3">
+            <a:extLst>
+              <a:ext uri="{FF2B5EF4-FFF2-40B4-BE49-F238E27FC236}">
+                <a16:creationId xmlns:a16="http://schemas.microsoft.com/office/drawing/2014/main" id="{7A1B61E0-ED79-4390-BF17-906B0AFF297F}"/>
+              </a:ext>
+            </a:extLst>
+          </p:cNvPr>
+          <p:cNvSpPr/>
+          <p:nvPr/>
+        </p:nvSpPr>
+        <p:spPr>
+          <a:xfrm>
+            <a:off x="9343291" y="4492747"/>
+            <a:ext cx="1758462" cy="1758462"/>
+          </a:xfrm>
+          <a:prstGeom prst="rect">
+            <a:avLst/>
+          </a:prstGeom>
+          <a:solidFill>
+            <a:srgbClr val="2995A6"/>
+          </a:solidFill>
+          <a:ln>
+            <a:noFill/>
+          </a:ln>
+        </p:spPr>
+        <p:style>
+          <a:lnRef idx="2">
+            <a:schemeClr val="accent1">
+              <a:shade val="50000"/>
+            </a:schemeClr>
+          </a:lnRef>
+          <a:fillRef idx="1">
+            <a:schemeClr val="accent1"/>
+          </a:fillRef>
+          <a:effectRef idx="0">
+            <a:schemeClr val="accent1"/>
+          </a:effectRef>
+          <a:fontRef idx="minor">
+            <a:schemeClr val="lt1"/>
+          </a:fontRef>
+        </p:style>
+        <p:txBody>
+          <a:bodyPr rtlCol="0" anchor="ctr"/>
+          <a:lstStyle/>
+          <a:p>
+            <a:pPr algn="ctr"/>
+            <a:endParaRPr lang="en-CA"/>
+          </a:p>
+        </p:txBody>
+      </p:sp>
+    </p:spTree>
+    <p:extLst>
+      <p:ext uri="{BB962C8B-B14F-4D97-AF65-F5344CB8AC3E}">
+        <p14:creationId xmlns:p14="http://schemas.microsoft.com/office/powerpoint/2010/main" val="3130568212"/>
       </p:ext>
     </p:extLst>
   </p:cSld>

--- a/presentation.pptx
+++ b/presentation.pptx
@@ -6,13 +6,15 @@
   </p:sldMasterIdLst>
   <p:sldIdLst>
     <p:sldId id="256" r:id="rId2"/>
-    <p:sldId id="257" r:id="rId3"/>
-    <p:sldId id="260" r:id="rId4"/>
-    <p:sldId id="258" r:id="rId5"/>
-    <p:sldId id="259" r:id="rId6"/>
-    <p:sldId id="261" r:id="rId7"/>
-    <p:sldId id="262" r:id="rId8"/>
-    <p:sldId id="263" r:id="rId9"/>
+    <p:sldId id="264" r:id="rId3"/>
+    <p:sldId id="265" r:id="rId4"/>
+    <p:sldId id="257" r:id="rId5"/>
+    <p:sldId id="260" r:id="rId6"/>
+    <p:sldId id="258" r:id="rId7"/>
+    <p:sldId id="259" r:id="rId8"/>
+    <p:sldId id="261" r:id="rId9"/>
+    <p:sldId id="262" r:id="rId10"/>
+    <p:sldId id="263" r:id="rId11"/>
   </p:sldIdLst>
   <p:sldSz cx="12192000" cy="6858000"/>
   <p:notesSz cx="6858000" cy="9144000"/>
@@ -268,7 +270,7 @@
           <a:p>
             <a:fld id="{2556C88D-5146-4E79-9F66-1093BD31DE8E}" type="datetimeFigureOut">
               <a:rPr lang="en-CA" smtClean="0"/>
-              <a:t>2025-08-21</a:t>
+              <a:t>2025-08-22</a:t>
             </a:fld>
             <a:endParaRPr lang="en-CA"/>
           </a:p>
@@ -468,7 +470,7 @@
           <a:p>
             <a:fld id="{2556C88D-5146-4E79-9F66-1093BD31DE8E}" type="datetimeFigureOut">
               <a:rPr lang="en-CA" smtClean="0"/>
-              <a:t>2025-08-21</a:t>
+              <a:t>2025-08-22</a:t>
             </a:fld>
             <a:endParaRPr lang="en-CA"/>
           </a:p>
@@ -678,7 +680,7 @@
           <a:p>
             <a:fld id="{2556C88D-5146-4E79-9F66-1093BD31DE8E}" type="datetimeFigureOut">
               <a:rPr lang="en-CA" smtClean="0"/>
-              <a:t>2025-08-21</a:t>
+              <a:t>2025-08-22</a:t>
             </a:fld>
             <a:endParaRPr lang="en-CA"/>
           </a:p>
@@ -878,7 +880,7 @@
           <a:p>
             <a:fld id="{2556C88D-5146-4E79-9F66-1093BD31DE8E}" type="datetimeFigureOut">
               <a:rPr lang="en-CA" smtClean="0"/>
-              <a:t>2025-08-21</a:t>
+              <a:t>2025-08-22</a:t>
             </a:fld>
             <a:endParaRPr lang="en-CA"/>
           </a:p>
@@ -1154,7 +1156,7 @@
           <a:p>
             <a:fld id="{2556C88D-5146-4E79-9F66-1093BD31DE8E}" type="datetimeFigureOut">
               <a:rPr lang="en-CA" smtClean="0"/>
-              <a:t>2025-08-21</a:t>
+              <a:t>2025-08-22</a:t>
             </a:fld>
             <a:endParaRPr lang="en-CA"/>
           </a:p>
@@ -1422,7 +1424,7 @@
           <a:p>
             <a:fld id="{2556C88D-5146-4E79-9F66-1093BD31DE8E}" type="datetimeFigureOut">
               <a:rPr lang="en-CA" smtClean="0"/>
-              <a:t>2025-08-21</a:t>
+              <a:t>2025-08-22</a:t>
             </a:fld>
             <a:endParaRPr lang="en-CA"/>
           </a:p>
@@ -1837,7 +1839,7 @@
           <a:p>
             <a:fld id="{2556C88D-5146-4E79-9F66-1093BD31DE8E}" type="datetimeFigureOut">
               <a:rPr lang="en-CA" smtClean="0"/>
-              <a:t>2025-08-21</a:t>
+              <a:t>2025-08-22</a:t>
             </a:fld>
             <a:endParaRPr lang="en-CA"/>
           </a:p>
@@ -1979,7 +1981,7 @@
           <a:p>
             <a:fld id="{2556C88D-5146-4E79-9F66-1093BD31DE8E}" type="datetimeFigureOut">
               <a:rPr lang="en-CA" smtClean="0"/>
-              <a:t>2025-08-21</a:t>
+              <a:t>2025-08-22</a:t>
             </a:fld>
             <a:endParaRPr lang="en-CA"/>
           </a:p>
@@ -2092,7 +2094,7 @@
           <a:p>
             <a:fld id="{2556C88D-5146-4E79-9F66-1093BD31DE8E}" type="datetimeFigureOut">
               <a:rPr lang="en-CA" smtClean="0"/>
-              <a:t>2025-08-21</a:t>
+              <a:t>2025-08-22</a:t>
             </a:fld>
             <a:endParaRPr lang="en-CA"/>
           </a:p>
@@ -2405,7 +2407,7 @@
           <a:p>
             <a:fld id="{2556C88D-5146-4E79-9F66-1093BD31DE8E}" type="datetimeFigureOut">
               <a:rPr lang="en-CA" smtClean="0"/>
-              <a:t>2025-08-21</a:t>
+              <a:t>2025-08-22</a:t>
             </a:fld>
             <a:endParaRPr lang="en-CA"/>
           </a:p>
@@ -2694,7 +2696,7 @@
           <a:p>
             <a:fld id="{2556C88D-5146-4E79-9F66-1093BD31DE8E}" type="datetimeFigureOut">
               <a:rPr lang="en-CA" smtClean="0"/>
-              <a:t>2025-08-21</a:t>
+              <a:t>2025-08-22</a:t>
             </a:fld>
             <a:endParaRPr lang="en-CA"/>
           </a:p>
@@ -2937,7 +2939,7 @@
           <a:p>
             <a:fld id="{2556C88D-5146-4E79-9F66-1093BD31DE8E}" type="datetimeFigureOut">
               <a:rPr lang="en-CA" smtClean="0"/>
-              <a:t>2025-08-21</a:t>
+              <a:t>2025-08-22</a:t>
             </a:fld>
             <a:endParaRPr lang="en-CA"/>
           </a:p>
@@ -3493,6 +3495,141 @@
 </p:sld>
 </file>
 
+<file path=ppt/slides/slide10.xml><?xml version="1.0" encoding="utf-8"?>
+<p:sld xmlns:a="http://schemas.openxmlformats.org/drawingml/2006/main" xmlns:r="http://schemas.openxmlformats.org/officeDocument/2006/relationships" xmlns:p="http://schemas.openxmlformats.org/presentationml/2006/main">
+  <p:cSld>
+    <p:spTree>
+      <p:nvGrpSpPr>
+        <p:cNvPr id="1" name=""/>
+        <p:cNvGrpSpPr/>
+        <p:nvPr/>
+      </p:nvGrpSpPr>
+      <p:grpSpPr>
+        <a:xfrm>
+          <a:off x="0" y="0"/>
+          <a:ext cx="0" cy="0"/>
+          <a:chOff x="0" y="0"/>
+          <a:chExt cx="0" cy="0"/>
+        </a:xfrm>
+      </p:grpSpPr>
+      <p:sp>
+        <p:nvSpPr>
+          <p:cNvPr id="2" name="Title 1">
+            <a:extLst>
+              <a:ext uri="{FF2B5EF4-FFF2-40B4-BE49-F238E27FC236}">
+                <a16:creationId xmlns:a16="http://schemas.microsoft.com/office/drawing/2014/main" id="{DF5DB316-1226-4D5B-9934-A3298F86C16A}"/>
+              </a:ext>
+            </a:extLst>
+          </p:cNvPr>
+          <p:cNvSpPr>
+            <a:spLocks noGrp="1"/>
+          </p:cNvSpPr>
+          <p:nvPr>
+            <p:ph type="title"/>
+          </p:nvPr>
+        </p:nvSpPr>
+        <p:spPr/>
+        <p:txBody>
+          <a:bodyPr/>
+          <a:lstStyle/>
+          <a:p>
+            <a:r>
+              <a:rPr lang="en-CA" dirty="0"/>
+              <a:t>Thanks</a:t>
+            </a:r>
+          </a:p>
+        </p:txBody>
+      </p:sp>
+      <p:sp>
+        <p:nvSpPr>
+          <p:cNvPr id="3" name="Content Placeholder 2">
+            <a:extLst>
+              <a:ext uri="{FF2B5EF4-FFF2-40B4-BE49-F238E27FC236}">
+                <a16:creationId xmlns:a16="http://schemas.microsoft.com/office/drawing/2014/main" id="{BB2798A0-8217-4781-A322-C40A6A89FB2B}"/>
+              </a:ext>
+            </a:extLst>
+          </p:cNvPr>
+          <p:cNvSpPr>
+            <a:spLocks noGrp="1"/>
+          </p:cNvSpPr>
+          <p:nvPr>
+            <p:ph idx="1"/>
+          </p:nvPr>
+        </p:nvSpPr>
+        <p:spPr/>
+        <p:txBody>
+          <a:bodyPr/>
+          <a:lstStyle/>
+          <a:p>
+            <a:endParaRPr lang="en-CA" dirty="0"/>
+          </a:p>
+        </p:txBody>
+      </p:sp>
+      <p:sp>
+        <p:nvSpPr>
+          <p:cNvPr id="4" name="Rectangle 3">
+            <a:extLst>
+              <a:ext uri="{FF2B5EF4-FFF2-40B4-BE49-F238E27FC236}">
+                <a16:creationId xmlns:a16="http://schemas.microsoft.com/office/drawing/2014/main" id="{7A1B61E0-ED79-4390-BF17-906B0AFF297F}"/>
+              </a:ext>
+            </a:extLst>
+          </p:cNvPr>
+          <p:cNvSpPr/>
+          <p:nvPr/>
+        </p:nvSpPr>
+        <p:spPr>
+          <a:xfrm>
+            <a:off x="9343291" y="4492747"/>
+            <a:ext cx="1758462" cy="1758462"/>
+          </a:xfrm>
+          <a:prstGeom prst="rect">
+            <a:avLst/>
+          </a:prstGeom>
+          <a:solidFill>
+            <a:srgbClr val="2995A6"/>
+          </a:solidFill>
+          <a:ln>
+            <a:noFill/>
+          </a:ln>
+        </p:spPr>
+        <p:style>
+          <a:lnRef idx="2">
+            <a:schemeClr val="accent1">
+              <a:shade val="50000"/>
+            </a:schemeClr>
+          </a:lnRef>
+          <a:fillRef idx="1">
+            <a:schemeClr val="accent1"/>
+          </a:fillRef>
+          <a:effectRef idx="0">
+            <a:schemeClr val="accent1"/>
+          </a:effectRef>
+          <a:fontRef idx="minor">
+            <a:schemeClr val="lt1"/>
+          </a:fontRef>
+        </p:style>
+        <p:txBody>
+          <a:bodyPr rtlCol="0" anchor="ctr"/>
+          <a:lstStyle/>
+          <a:p>
+            <a:pPr algn="ctr"/>
+            <a:endParaRPr lang="en-CA"/>
+          </a:p>
+        </p:txBody>
+      </p:sp>
+    </p:spTree>
+    <p:extLst>
+      <p:ext uri="{BB962C8B-B14F-4D97-AF65-F5344CB8AC3E}">
+        <p14:creationId xmlns:p14="http://schemas.microsoft.com/office/powerpoint/2010/main" val="3130568212"/>
+      </p:ext>
+    </p:extLst>
+  </p:cSld>
+  <p:clrMapOvr>
+    <a:masterClrMapping/>
+  </p:clrMapOvr>
+</p:sld>
+</file>
+
 <file path=ppt/slides/slide2.xml><?xml version="1.0" encoding="utf-8"?>
 <p:sld xmlns:a="http://schemas.openxmlformats.org/drawingml/2006/main" xmlns:r="http://schemas.openxmlformats.org/officeDocument/2006/relationships" xmlns:p="http://schemas.openxmlformats.org/presentationml/2006/main">
   <p:cSld>
@@ -3512,113 +3649,224 @@
       </p:grpSpPr>
       <p:sp>
         <p:nvSpPr>
-          <p:cNvPr id="2" name="Title 1">
-            <a:extLst>
-              <a:ext uri="{FF2B5EF4-FFF2-40B4-BE49-F238E27FC236}">
-                <a16:creationId xmlns:a16="http://schemas.microsoft.com/office/drawing/2014/main" id="{694BDC26-F576-48F3-B2F7-F285D76C5574}"/>
-              </a:ext>
-            </a:extLst>
-          </p:cNvPr>
-          <p:cNvSpPr>
-            <a:spLocks noGrp="1"/>
-          </p:cNvSpPr>
-          <p:nvPr>
-            <p:ph type="title"/>
-          </p:nvPr>
-        </p:nvSpPr>
-        <p:spPr/>
-        <p:txBody>
-          <a:bodyPr/>
-          <a:lstStyle/>
-          <a:p>
-            <a:r>
-              <a:rPr lang="en-CA" dirty="0"/>
-              <a:t>Motivation</a:t>
-            </a:r>
-          </a:p>
-        </p:txBody>
-      </p:sp>
-      <p:sp>
-        <p:nvSpPr>
-          <p:cNvPr id="3" name="Content Placeholder 2">
-            <a:extLst>
-              <a:ext uri="{FF2B5EF4-FFF2-40B4-BE49-F238E27FC236}">
-                <a16:creationId xmlns:a16="http://schemas.microsoft.com/office/drawing/2014/main" id="{3AC0D3FA-686C-4790-A7BC-4CE8F510D509}"/>
-              </a:ext>
-            </a:extLst>
-          </p:cNvPr>
-          <p:cNvSpPr>
-            <a:spLocks noGrp="1"/>
-          </p:cNvSpPr>
-          <p:nvPr>
-            <p:ph idx="1"/>
-          </p:nvPr>
-        </p:nvSpPr>
-        <p:spPr/>
-        <p:txBody>
-          <a:bodyPr/>
-          <a:lstStyle/>
-          <a:p>
-            <a:endParaRPr lang="en-CA" dirty="0"/>
-          </a:p>
-        </p:txBody>
-      </p:sp>
-      <p:sp>
-        <p:nvSpPr>
-          <p:cNvPr id="6" name="L-Shape 5">
-            <a:extLst>
-              <a:ext uri="{FF2B5EF4-FFF2-40B4-BE49-F238E27FC236}">
-                <a16:creationId xmlns:a16="http://schemas.microsoft.com/office/drawing/2014/main" id="{DDBC3CD0-AD61-4C0E-A672-ADAEFCCD6E83}"/>
-              </a:ext>
-            </a:extLst>
-          </p:cNvPr>
-          <p:cNvSpPr/>
+          <p:cNvPr id="2" name="TextBox 1">
+            <a:extLst>
+              <a:ext uri="{FF2B5EF4-FFF2-40B4-BE49-F238E27FC236}">
+                <a16:creationId xmlns:a16="http://schemas.microsoft.com/office/drawing/2014/main" id="{BFB4DD78-E157-4AC1-A111-5031662FEB5A}"/>
+              </a:ext>
+            </a:extLst>
+          </p:cNvPr>
+          <p:cNvSpPr txBox="1"/>
           <p:nvPr/>
         </p:nvSpPr>
         <p:spPr>
-          <a:xfrm rot="20593866">
-            <a:off x="8615200" y="344843"/>
-            <a:ext cx="1511558" cy="1455510"/>
-          </a:xfrm>
-          <a:prstGeom prst="corner">
+          <a:xfrm>
+            <a:off x="827721" y="234817"/>
+            <a:ext cx="2653323" cy="2246769"/>
+          </a:xfrm>
+          <a:prstGeom prst="rect">
             <a:avLst/>
           </a:prstGeom>
-          <a:solidFill>
-            <a:srgbClr val="F62155"/>
-          </a:solidFill>
-          <a:ln>
-            <a:noFill/>
-          </a:ln>
-        </p:spPr>
-        <p:style>
-          <a:lnRef idx="2">
-            <a:schemeClr val="accent1">
-              <a:shade val="50000"/>
-            </a:schemeClr>
-          </a:lnRef>
-          <a:fillRef idx="1">
-            <a:schemeClr val="accent1"/>
-          </a:fillRef>
-          <a:effectRef idx="0">
-            <a:schemeClr val="accent1"/>
-          </a:effectRef>
-          <a:fontRef idx="minor">
-            <a:schemeClr val="lt1"/>
-          </a:fontRef>
-        </p:style>
-        <p:txBody>
-          <a:bodyPr rtlCol="0" anchor="ctr"/>
-          <a:lstStyle/>
-          <a:p>
-            <a:pPr algn="ctr"/>
-            <a:endParaRPr lang="en-CA"/>
+          <a:noFill/>
+        </p:spPr>
+        <p:txBody>
+          <a:bodyPr wrap="square" rtlCol="0">
+            <a:spAutoFit/>
+          </a:bodyPr>
+          <a:lstStyle/>
+          <a:p>
+            <a:r>
+              <a:rPr lang="en-CA" sz="14000" dirty="0"/>
+              <a:t>👨‍🍳</a:t>
+            </a:r>
+          </a:p>
+        </p:txBody>
+      </p:sp>
+      <p:sp>
+        <p:nvSpPr>
+          <p:cNvPr id="4" name="TextBox 3">
+            <a:extLst>
+              <a:ext uri="{FF2B5EF4-FFF2-40B4-BE49-F238E27FC236}">
+                <a16:creationId xmlns:a16="http://schemas.microsoft.com/office/drawing/2014/main" id="{30F5E9BD-A14A-41C8-AE30-537F25CA84CC}"/>
+              </a:ext>
+            </a:extLst>
+          </p:cNvPr>
+          <p:cNvSpPr txBox="1"/>
+          <p:nvPr/>
+        </p:nvSpPr>
+        <p:spPr>
+          <a:xfrm>
+            <a:off x="4459821" y="1973754"/>
+            <a:ext cx="3404260" cy="1015663"/>
+          </a:xfrm>
+          <a:prstGeom prst="rect">
+            <a:avLst/>
+          </a:prstGeom>
+          <a:noFill/>
+        </p:spPr>
+        <p:txBody>
+          <a:bodyPr wrap="square" rtlCol="0">
+            <a:spAutoFit/>
+          </a:bodyPr>
+          <a:lstStyle/>
+          <a:p>
+            <a:r>
+              <a:rPr lang="en-CA" sz="6000" b="1" i="0" dirty="0">
+                <a:solidFill>
+                  <a:srgbClr val="000000"/>
+                </a:solidFill>
+                <a:effectLst/>
+                <a:latin typeface="ui-sans-serif"/>
+              </a:rPr>
+              <a:t>🍪</a:t>
+            </a:r>
+          </a:p>
+        </p:txBody>
+      </p:sp>
+      <p:sp>
+        <p:nvSpPr>
+          <p:cNvPr id="5" name="TextBox 4">
+            <a:extLst>
+              <a:ext uri="{FF2B5EF4-FFF2-40B4-BE49-F238E27FC236}">
+                <a16:creationId xmlns:a16="http://schemas.microsoft.com/office/drawing/2014/main" id="{5927390A-B7DE-474F-945F-302A24C4B809}"/>
+              </a:ext>
+            </a:extLst>
+          </p:cNvPr>
+          <p:cNvSpPr txBox="1"/>
+          <p:nvPr/>
+        </p:nvSpPr>
+        <p:spPr>
+          <a:xfrm>
+            <a:off x="8068675" y="537776"/>
+            <a:ext cx="2650084" cy="2246769"/>
+          </a:xfrm>
+          <a:prstGeom prst="rect">
+            <a:avLst/>
+          </a:prstGeom>
+          <a:noFill/>
+        </p:spPr>
+        <p:txBody>
+          <a:bodyPr wrap="none" rtlCol="0">
+            <a:spAutoFit/>
+          </a:bodyPr>
+          <a:lstStyle/>
+          <a:p>
+            <a:r>
+              <a:rPr lang="en-CA" sz="14000" dirty="0"/>
+              <a:t>🙇‍♂️</a:t>
+            </a:r>
+          </a:p>
+        </p:txBody>
+      </p:sp>
+      <p:sp>
+        <p:nvSpPr>
+          <p:cNvPr id="6" name="TextBox 5">
+            <a:extLst>
+              <a:ext uri="{FF2B5EF4-FFF2-40B4-BE49-F238E27FC236}">
+                <a16:creationId xmlns:a16="http://schemas.microsoft.com/office/drawing/2014/main" id="{CB5C5137-5F7C-4E29-8381-CE88E2DBB1F3}"/>
+              </a:ext>
+            </a:extLst>
+          </p:cNvPr>
+          <p:cNvSpPr txBox="1"/>
+          <p:nvPr/>
+        </p:nvSpPr>
+        <p:spPr>
+          <a:xfrm>
+            <a:off x="763056" y="2423024"/>
+            <a:ext cx="2650084" cy="2246769"/>
+          </a:xfrm>
+          <a:prstGeom prst="rect">
+            <a:avLst/>
+          </a:prstGeom>
+          <a:noFill/>
+        </p:spPr>
+        <p:txBody>
+          <a:bodyPr wrap="none" rtlCol="0">
+            <a:spAutoFit/>
+          </a:bodyPr>
+          <a:lstStyle/>
+          <a:p>
+            <a:r>
+              <a:rPr lang="en-CA" sz="14000" dirty="0"/>
+              <a:t>🤷‍♂️</a:t>
+            </a:r>
+          </a:p>
+        </p:txBody>
+      </p:sp>
+      <p:sp>
+        <p:nvSpPr>
+          <p:cNvPr id="8" name="TextBox 7">
+            <a:extLst>
+              <a:ext uri="{FF2B5EF4-FFF2-40B4-BE49-F238E27FC236}">
+                <a16:creationId xmlns:a16="http://schemas.microsoft.com/office/drawing/2014/main" id="{3832ECA5-62D6-44F5-ADDE-95BB6269257E}"/>
+              </a:ext>
+            </a:extLst>
+          </p:cNvPr>
+          <p:cNvSpPr txBox="1"/>
+          <p:nvPr/>
+        </p:nvSpPr>
+        <p:spPr>
+          <a:xfrm>
+            <a:off x="8311621" y="4539734"/>
+            <a:ext cx="2407138" cy="2246769"/>
+          </a:xfrm>
+          <a:prstGeom prst="rect">
+            <a:avLst/>
+          </a:prstGeom>
+          <a:noFill/>
+        </p:spPr>
+        <p:txBody>
+          <a:bodyPr wrap="square">
+            <a:spAutoFit/>
+          </a:bodyPr>
+          <a:lstStyle/>
+          <a:p>
+            <a:r>
+              <a:rPr lang="en-CA" sz="14000" dirty="0"/>
+              <a:t>🤦‍♂️</a:t>
+            </a:r>
+          </a:p>
+        </p:txBody>
+      </p:sp>
+      <p:sp>
+        <p:nvSpPr>
+          <p:cNvPr id="10" name="TextBox 9">
+            <a:extLst>
+              <a:ext uri="{FF2B5EF4-FFF2-40B4-BE49-F238E27FC236}">
+                <a16:creationId xmlns:a16="http://schemas.microsoft.com/office/drawing/2014/main" id="{70FE6B6D-27FB-4A3B-867D-63288726A860}"/>
+              </a:ext>
+            </a:extLst>
+          </p:cNvPr>
+          <p:cNvSpPr txBox="1"/>
+          <p:nvPr/>
+        </p:nvSpPr>
+        <p:spPr>
+          <a:xfrm>
+            <a:off x="797095" y="4539733"/>
+            <a:ext cx="6295900" cy="2246769"/>
+          </a:xfrm>
+          <a:prstGeom prst="rect">
+            <a:avLst/>
+          </a:prstGeom>
+          <a:noFill/>
+        </p:spPr>
+        <p:txBody>
+          <a:bodyPr wrap="square">
+            <a:spAutoFit/>
+          </a:bodyPr>
+          <a:lstStyle/>
+          <a:p>
+            <a:r>
+              <a:rPr lang="en-CA" sz="14000" dirty="0"/>
+              <a:t>😏</a:t>
+            </a:r>
           </a:p>
         </p:txBody>
       </p:sp>
     </p:spTree>
     <p:extLst>
       <p:ext uri="{BB962C8B-B14F-4D97-AF65-F5344CB8AC3E}">
-        <p14:creationId xmlns:p14="http://schemas.microsoft.com/office/powerpoint/2010/main" val="1879515488"/>
+        <p14:creationId xmlns:p14="http://schemas.microsoft.com/office/powerpoint/2010/main" val="1013381709"/>
       </p:ext>
     </p:extLst>
   </p:cSld>
@@ -3647,113 +3895,253 @@
       </p:grpSpPr>
       <p:sp>
         <p:nvSpPr>
-          <p:cNvPr id="2" name="Title 1">
-            <a:extLst>
-              <a:ext uri="{FF2B5EF4-FFF2-40B4-BE49-F238E27FC236}">
-                <a16:creationId xmlns:a16="http://schemas.microsoft.com/office/drawing/2014/main" id="{3BF51ECB-3796-4BE2-A1D4-0D38EEF4D172}"/>
-              </a:ext>
-            </a:extLst>
-          </p:cNvPr>
-          <p:cNvSpPr>
-            <a:spLocks noGrp="1"/>
-          </p:cNvSpPr>
-          <p:nvPr>
-            <p:ph type="title"/>
-          </p:nvPr>
-        </p:nvSpPr>
-        <p:spPr/>
-        <p:txBody>
-          <a:bodyPr/>
-          <a:lstStyle/>
-          <a:p>
-            <a:r>
-              <a:rPr lang="en-CA" dirty="0"/>
-              <a:t>Early methods</a:t>
-            </a:r>
-          </a:p>
-        </p:txBody>
-      </p:sp>
-      <p:sp>
-        <p:nvSpPr>
-          <p:cNvPr id="3" name="Content Placeholder 2">
-            <a:extLst>
-              <a:ext uri="{FF2B5EF4-FFF2-40B4-BE49-F238E27FC236}">
-                <a16:creationId xmlns:a16="http://schemas.microsoft.com/office/drawing/2014/main" id="{43958580-6E48-4443-A947-586B39E83B5E}"/>
-              </a:ext>
-            </a:extLst>
-          </p:cNvPr>
-          <p:cNvSpPr>
-            <a:spLocks noGrp="1"/>
-          </p:cNvSpPr>
-          <p:nvPr>
-            <p:ph idx="1"/>
-          </p:nvPr>
-        </p:nvSpPr>
-        <p:spPr/>
-        <p:txBody>
-          <a:bodyPr/>
-          <a:lstStyle/>
-          <a:p>
-            <a:endParaRPr lang="en-CA" dirty="0"/>
-          </a:p>
-        </p:txBody>
-      </p:sp>
-      <p:sp>
-        <p:nvSpPr>
-          <p:cNvPr id="4" name="Isosceles Triangle 3">
-            <a:extLst>
-              <a:ext uri="{FF2B5EF4-FFF2-40B4-BE49-F238E27FC236}">
-                <a16:creationId xmlns:a16="http://schemas.microsoft.com/office/drawing/2014/main" id="{4AC05AA5-6A74-45A3-B6B6-D8F343C4A36C}"/>
-              </a:ext>
-            </a:extLst>
-          </p:cNvPr>
-          <p:cNvSpPr/>
+          <p:cNvPr id="3" name="TextBox 2">
+            <a:extLst>
+              <a:ext uri="{FF2B5EF4-FFF2-40B4-BE49-F238E27FC236}">
+                <a16:creationId xmlns:a16="http://schemas.microsoft.com/office/drawing/2014/main" id="{8F86D920-F353-4537-8C98-C174CED47C2C}"/>
+              </a:ext>
+            </a:extLst>
+          </p:cNvPr>
+          <p:cNvSpPr txBox="1"/>
           <p:nvPr/>
         </p:nvSpPr>
         <p:spPr>
-          <a:xfrm rot="560992">
-            <a:off x="427575" y="4511061"/>
-            <a:ext cx="1868968" cy="1611180"/>
-          </a:xfrm>
-          <a:prstGeom prst="triangle">
+          <a:xfrm>
+            <a:off x="4718463" y="1924831"/>
+            <a:ext cx="2414649" cy="2246769"/>
+          </a:xfrm>
+          <a:prstGeom prst="rect">
             <a:avLst/>
           </a:prstGeom>
-          <a:solidFill>
-            <a:srgbClr val="FFCC00"/>
-          </a:solidFill>
-          <a:ln>
-            <a:noFill/>
-          </a:ln>
-        </p:spPr>
-        <p:style>
-          <a:lnRef idx="2">
-            <a:schemeClr val="accent1">
-              <a:shade val="50000"/>
-            </a:schemeClr>
-          </a:lnRef>
-          <a:fillRef idx="1">
-            <a:schemeClr val="accent1"/>
-          </a:fillRef>
-          <a:effectRef idx="0">
-            <a:schemeClr val="accent1"/>
-          </a:effectRef>
-          <a:fontRef idx="minor">
-            <a:schemeClr val="lt1"/>
-          </a:fontRef>
-        </p:style>
-        <p:txBody>
-          <a:bodyPr rtlCol="0" anchor="ctr"/>
-          <a:lstStyle/>
-          <a:p>
-            <a:pPr algn="ctr"/>
-            <a:endParaRPr lang="en-CA" dirty="0"/>
+          <a:noFill/>
+        </p:spPr>
+        <p:txBody>
+          <a:bodyPr wrap="square">
+            <a:spAutoFit/>
+          </a:bodyPr>
+          <a:lstStyle/>
+          <a:p>
+            <a:r>
+              <a:rPr lang="en-CA" sz="14000" dirty="0"/>
+              <a:t>👨‍💻</a:t>
+            </a:r>
+          </a:p>
+        </p:txBody>
+      </p:sp>
+      <p:sp>
+        <p:nvSpPr>
+          <p:cNvPr id="5" name="TextBox 4">
+            <a:extLst>
+              <a:ext uri="{FF2B5EF4-FFF2-40B4-BE49-F238E27FC236}">
+                <a16:creationId xmlns:a16="http://schemas.microsoft.com/office/drawing/2014/main" id="{3F95255C-356C-4546-B49F-4B7D90FA3554}"/>
+              </a:ext>
+            </a:extLst>
+          </p:cNvPr>
+          <p:cNvSpPr txBox="1"/>
+          <p:nvPr/>
+        </p:nvSpPr>
+        <p:spPr>
+          <a:xfrm>
+            <a:off x="9104416" y="1367043"/>
+            <a:ext cx="6096000" cy="369332"/>
+          </a:xfrm>
+          <a:prstGeom prst="rect">
+            <a:avLst/>
+          </a:prstGeom>
+          <a:noFill/>
+        </p:spPr>
+        <p:txBody>
+          <a:bodyPr wrap="square">
+            <a:spAutoFit/>
+          </a:bodyPr>
+          <a:lstStyle/>
+          <a:p>
+            <a:r>
+              <a:rPr lang="en-CA" dirty="0"/>
+              <a:t>🥜</a:t>
+            </a:r>
+          </a:p>
+        </p:txBody>
+      </p:sp>
+      <p:sp>
+        <p:nvSpPr>
+          <p:cNvPr id="7" name="TextBox 6">
+            <a:extLst>
+              <a:ext uri="{FF2B5EF4-FFF2-40B4-BE49-F238E27FC236}">
+                <a16:creationId xmlns:a16="http://schemas.microsoft.com/office/drawing/2014/main" id="{5C3F1833-704A-4C24-971B-E017488296AB}"/>
+              </a:ext>
+            </a:extLst>
+          </p:cNvPr>
+          <p:cNvSpPr txBox="1"/>
+          <p:nvPr/>
+        </p:nvSpPr>
+        <p:spPr>
+          <a:xfrm>
+            <a:off x="1583377" y="1367043"/>
+            <a:ext cx="7600208" cy="369332"/>
+          </a:xfrm>
+          <a:prstGeom prst="rect">
+            <a:avLst/>
+          </a:prstGeom>
+          <a:noFill/>
+        </p:spPr>
+        <p:txBody>
+          <a:bodyPr wrap="square">
+            <a:spAutoFit/>
+          </a:bodyPr>
+          <a:lstStyle/>
+          <a:p>
+            <a:r>
+              <a:rPr lang="en-CA" dirty="0"/>
+              <a:t>🍪</a:t>
+            </a:r>
+          </a:p>
+        </p:txBody>
+      </p:sp>
+      <p:sp>
+        <p:nvSpPr>
+          <p:cNvPr id="9" name="TextBox 8">
+            <a:extLst>
+              <a:ext uri="{FF2B5EF4-FFF2-40B4-BE49-F238E27FC236}">
+                <a16:creationId xmlns:a16="http://schemas.microsoft.com/office/drawing/2014/main" id="{7B4D6981-FB5F-493F-BA9A-F2C6A4567688}"/>
+              </a:ext>
+            </a:extLst>
+          </p:cNvPr>
+          <p:cNvSpPr txBox="1"/>
+          <p:nvPr/>
+        </p:nvSpPr>
+        <p:spPr>
+          <a:xfrm>
+            <a:off x="3079668" y="2317069"/>
+            <a:ext cx="7600208" cy="369332"/>
+          </a:xfrm>
+          <a:prstGeom prst="rect">
+            <a:avLst/>
+          </a:prstGeom>
+          <a:noFill/>
+        </p:spPr>
+        <p:txBody>
+          <a:bodyPr wrap="square">
+            <a:spAutoFit/>
+          </a:bodyPr>
+          <a:lstStyle/>
+          <a:p>
+            <a:r>
+              <a:rPr lang="en-CA" dirty="0"/>
+              <a:t>🔍</a:t>
+            </a:r>
+          </a:p>
+        </p:txBody>
+      </p:sp>
+      <p:sp>
+        <p:nvSpPr>
+          <p:cNvPr id="11" name="TextBox 10">
+            <a:extLst>
+              <a:ext uri="{FF2B5EF4-FFF2-40B4-BE49-F238E27FC236}">
+                <a16:creationId xmlns:a16="http://schemas.microsoft.com/office/drawing/2014/main" id="{F21F6B02-BE1D-4667-A5FA-A1F17A113B95}"/>
+              </a:ext>
+            </a:extLst>
+          </p:cNvPr>
+          <p:cNvSpPr txBox="1"/>
+          <p:nvPr/>
+        </p:nvSpPr>
+        <p:spPr>
+          <a:xfrm>
+            <a:off x="9104416" y="5068186"/>
+            <a:ext cx="7600208" cy="369332"/>
+          </a:xfrm>
+          <a:prstGeom prst="rect">
+            <a:avLst/>
+          </a:prstGeom>
+          <a:noFill/>
+        </p:spPr>
+        <p:txBody>
+          <a:bodyPr wrap="square">
+            <a:spAutoFit/>
+          </a:bodyPr>
+          <a:lstStyle/>
+          <a:p>
+            <a:r>
+              <a:rPr lang="en-CA" dirty="0"/>
+              <a:t>⚠️</a:t>
+            </a:r>
+          </a:p>
+        </p:txBody>
+      </p:sp>
+      <p:sp>
+        <p:nvSpPr>
+          <p:cNvPr id="13" name="TextBox 12">
+            <a:extLst>
+              <a:ext uri="{FF2B5EF4-FFF2-40B4-BE49-F238E27FC236}">
+                <a16:creationId xmlns:a16="http://schemas.microsoft.com/office/drawing/2014/main" id="{44FF599E-7DFF-46C5-8BB4-469B6EF79E38}"/>
+              </a:ext>
+            </a:extLst>
+          </p:cNvPr>
+          <p:cNvSpPr txBox="1"/>
+          <p:nvPr/>
+        </p:nvSpPr>
+        <p:spPr>
+          <a:xfrm>
+            <a:off x="2260271" y="5121626"/>
+            <a:ext cx="8352310" cy="369332"/>
+          </a:xfrm>
+          <a:prstGeom prst="rect">
+            <a:avLst/>
+          </a:prstGeom>
+          <a:noFill/>
+        </p:spPr>
+        <p:txBody>
+          <a:bodyPr wrap="square">
+            <a:spAutoFit/>
+          </a:bodyPr>
+          <a:lstStyle/>
+          <a:p>
+            <a:r>
+              <a:rPr lang="en-CA" dirty="0"/>
+              <a:t>📄</a:t>
+            </a:r>
+          </a:p>
+        </p:txBody>
+      </p:sp>
+      <p:sp>
+        <p:nvSpPr>
+          <p:cNvPr id="15" name="TextBox 14">
+            <a:extLst>
+              <a:ext uri="{FF2B5EF4-FFF2-40B4-BE49-F238E27FC236}">
+                <a16:creationId xmlns:a16="http://schemas.microsoft.com/office/drawing/2014/main" id="{5126C60A-E4A2-420F-A131-08B7B447BC83}"/>
+              </a:ext>
+            </a:extLst>
+          </p:cNvPr>
+          <p:cNvSpPr txBox="1"/>
+          <p:nvPr/>
+        </p:nvSpPr>
+        <p:spPr>
+          <a:xfrm>
+            <a:off x="3420094" y="4368509"/>
+            <a:ext cx="8352310" cy="369332"/>
+          </a:xfrm>
+          <a:prstGeom prst="rect">
+            <a:avLst/>
+          </a:prstGeom>
+          <a:noFill/>
+        </p:spPr>
+        <p:txBody>
+          <a:bodyPr wrap="square">
+            <a:spAutoFit/>
+          </a:bodyPr>
+          <a:lstStyle/>
+          <a:p>
+            <a:r>
+              <a:rPr lang="en-CA" dirty="0"/>
+              <a:t>🛠️🔍⚙️</a:t>
+            </a:r>
           </a:p>
         </p:txBody>
       </p:sp>
     </p:spTree>
     <p:extLst>
       <p:ext uri="{BB962C8B-B14F-4D97-AF65-F5344CB8AC3E}">
-        <p14:creationId xmlns:p14="http://schemas.microsoft.com/office/powerpoint/2010/main" val="2273288100"/>
+        <p14:creationId xmlns:p14="http://schemas.microsoft.com/office/powerpoint/2010/main" val="2475862875"/>
       </p:ext>
     </p:extLst>
   </p:cSld>
@@ -3785,7 +4173,7 @@
           <p:cNvPr id="2" name="Title 1">
             <a:extLst>
               <a:ext uri="{FF2B5EF4-FFF2-40B4-BE49-F238E27FC236}">
-                <a16:creationId xmlns:a16="http://schemas.microsoft.com/office/drawing/2014/main" id="{4708D53D-5AC3-4167-A99B-FD0CB9ED4B78}"/>
+                <a16:creationId xmlns:a16="http://schemas.microsoft.com/office/drawing/2014/main" id="{694BDC26-F576-48F3-B2F7-F285D76C5574}"/>
               </a:ext>
             </a:extLst>
           </p:cNvPr>
@@ -3803,7 +4191,7 @@
           <a:p>
             <a:r>
               <a:rPr lang="en-CA" dirty="0"/>
-              <a:t>Current State of the Art</a:t>
+              <a:t>Motivation</a:t>
             </a:r>
           </a:p>
         </p:txBody>
@@ -3813,7 +4201,7 @@
           <p:cNvPr id="3" name="Content Placeholder 2">
             <a:extLst>
               <a:ext uri="{FF2B5EF4-FFF2-40B4-BE49-F238E27FC236}">
-                <a16:creationId xmlns:a16="http://schemas.microsoft.com/office/drawing/2014/main" id="{54D3395E-1905-4034-B32C-D2F657785560}"/>
+                <a16:creationId xmlns:a16="http://schemas.microsoft.com/office/drawing/2014/main" id="{3AC0D3FA-686C-4790-A7BC-4CE8F510D509}"/>
               </a:ext>
             </a:extLst>
           </p:cNvPr>
@@ -3824,21 +4212,40 @@
             <p:ph idx="1"/>
           </p:nvPr>
         </p:nvSpPr>
-        <p:spPr/>
-        <p:txBody>
-          <a:bodyPr/>
-          <a:lstStyle/>
-          <a:p>
+        <p:spPr>
+          <a:xfrm>
+            <a:off x="838200" y="1751760"/>
+            <a:ext cx="10515600" cy="4351338"/>
+          </a:xfrm>
+        </p:spPr>
+        <p:txBody>
+          <a:bodyPr/>
+          <a:lstStyle/>
+          <a:p>
+            <a:pPr>
+              <a:buFontTx/>
+              <a:buChar char="-"/>
+            </a:pPr>
+            <a:r>
+              <a:rPr lang="en-CA" dirty="0"/>
+              <a:t>So much code!</a:t>
+            </a:r>
+          </a:p>
+          <a:p>
+            <a:pPr>
+              <a:buFontTx/>
+              <a:buChar char="-"/>
+            </a:pPr>
             <a:endParaRPr lang="en-CA" dirty="0"/>
           </a:p>
         </p:txBody>
       </p:sp>
       <p:sp>
         <p:nvSpPr>
-          <p:cNvPr id="5" name="Partial Circle 4">
-            <a:extLst>
-              <a:ext uri="{FF2B5EF4-FFF2-40B4-BE49-F238E27FC236}">
-                <a16:creationId xmlns:a16="http://schemas.microsoft.com/office/drawing/2014/main" id="{80577D6E-43CE-444C-BE16-A2780F1FE44F}"/>
+          <p:cNvPr id="6" name="L-Shape 5">
+            <a:extLst>
+              <a:ext uri="{FF2B5EF4-FFF2-40B4-BE49-F238E27FC236}">
+                <a16:creationId xmlns:a16="http://schemas.microsoft.com/office/drawing/2014/main" id="{DDBC3CD0-AD61-4C0E-A672-ADAEFCCD6E83}"/>
               </a:ext>
             </a:extLst>
           </p:cNvPr>
@@ -3846,18 +4253,15 @@
           <p:nvPr/>
         </p:nvSpPr>
         <p:spPr>
-          <a:xfrm>
-            <a:off x="8804031" y="3727939"/>
-            <a:ext cx="2305538" cy="2305538"/>
-          </a:xfrm>
-          <a:prstGeom prst="pie">
-            <a:avLst>
-              <a:gd name="adj1" fmla="val 0"/>
-              <a:gd name="adj2" fmla="val 6860271"/>
-            </a:avLst>
+          <a:xfrm rot="20593866">
+            <a:off x="8615200" y="344843"/>
+            <a:ext cx="1511558" cy="1455510"/>
+          </a:xfrm>
+          <a:prstGeom prst="corner">
+            <a:avLst/>
           </a:prstGeom>
           <a:solidFill>
-            <a:srgbClr val="40EA91"/>
+            <a:srgbClr val="F62155"/>
           </a:solidFill>
           <a:ln>
             <a:noFill/>
@@ -3884,18 +4288,164 @@
           <a:lstStyle/>
           <a:p>
             <a:pPr algn="ctr"/>
-            <a:endParaRPr lang="en-CA">
-              <a:solidFill>
-                <a:schemeClr val="tx1"/>
-              </a:solidFill>
-            </a:endParaRPr>
-          </a:p>
-        </p:txBody>
-      </p:sp>
+            <a:endParaRPr lang="en-CA"/>
+          </a:p>
+        </p:txBody>
+      </p:sp>
+      <p:pic>
+        <p:nvPicPr>
+          <p:cNvPr id="5" name="Picture 4">
+            <a:extLst>
+              <a:ext uri="{FF2B5EF4-FFF2-40B4-BE49-F238E27FC236}">
+                <a16:creationId xmlns:a16="http://schemas.microsoft.com/office/drawing/2014/main" id="{DCB030D0-3B60-4378-AE77-7C7472D85F5A}"/>
+              </a:ext>
+            </a:extLst>
+          </p:cNvPr>
+          <p:cNvPicPr>
+            <a:picLocks noChangeAspect="1"/>
+          </p:cNvPicPr>
+          <p:nvPr/>
+        </p:nvPicPr>
+        <p:blipFill>
+          <a:blip r:embed="rId2"/>
+          <a:stretch>
+            <a:fillRect/>
+          </a:stretch>
+        </p:blipFill>
+        <p:spPr>
+          <a:xfrm>
+            <a:off x="2318147" y="3560930"/>
+            <a:ext cx="1041491" cy="1041491"/>
+          </a:xfrm>
+          <a:prstGeom prst="rect">
+            <a:avLst/>
+          </a:prstGeom>
+        </p:spPr>
+      </p:pic>
+      <p:pic>
+        <p:nvPicPr>
+          <p:cNvPr id="7" name="Picture 6">
+            <a:extLst>
+              <a:ext uri="{FF2B5EF4-FFF2-40B4-BE49-F238E27FC236}">
+                <a16:creationId xmlns:a16="http://schemas.microsoft.com/office/drawing/2014/main" id="{66EEFB8C-DAB2-4822-BE9E-F6A58C220646}"/>
+              </a:ext>
+            </a:extLst>
+          </p:cNvPr>
+          <p:cNvPicPr>
+            <a:picLocks noChangeAspect="1"/>
+          </p:cNvPicPr>
+          <p:nvPr/>
+        </p:nvPicPr>
+        <p:blipFill>
+          <a:blip r:embed="rId2"/>
+          <a:stretch>
+            <a:fillRect/>
+          </a:stretch>
+        </p:blipFill>
+        <p:spPr>
+          <a:xfrm>
+            <a:off x="2318148" y="2519439"/>
+            <a:ext cx="1041491" cy="1041491"/>
+          </a:xfrm>
+          <a:prstGeom prst="rect">
+            <a:avLst/>
+          </a:prstGeom>
+        </p:spPr>
+      </p:pic>
+      <p:pic>
+        <p:nvPicPr>
+          <p:cNvPr id="11" name="Picture 10">
+            <a:extLst>
+              <a:ext uri="{FF2B5EF4-FFF2-40B4-BE49-F238E27FC236}">
+                <a16:creationId xmlns:a16="http://schemas.microsoft.com/office/drawing/2014/main" id="{28AD2801-258E-4E6E-BACC-DFB2AFF0002F}"/>
+              </a:ext>
+            </a:extLst>
+          </p:cNvPr>
+          <p:cNvPicPr>
+            <a:picLocks noChangeAspect="1"/>
+          </p:cNvPicPr>
+          <p:nvPr/>
+        </p:nvPicPr>
+        <p:blipFill>
+          <a:blip r:embed="rId3"/>
+          <a:stretch>
+            <a:fillRect/>
+          </a:stretch>
+        </p:blipFill>
+        <p:spPr>
+          <a:xfrm>
+            <a:off x="8488528" y="4908061"/>
+            <a:ext cx="1362763" cy="1362763"/>
+          </a:xfrm>
+          <a:prstGeom prst="rect">
+            <a:avLst/>
+          </a:prstGeom>
+        </p:spPr>
+      </p:pic>
+      <p:pic>
+        <p:nvPicPr>
+          <p:cNvPr id="13" name="Picture 12">
+            <a:extLst>
+              <a:ext uri="{FF2B5EF4-FFF2-40B4-BE49-F238E27FC236}">
+                <a16:creationId xmlns:a16="http://schemas.microsoft.com/office/drawing/2014/main" id="{269890C8-5678-4519-AEBA-7C5A8C9D460B}"/>
+              </a:ext>
+            </a:extLst>
+          </p:cNvPr>
+          <p:cNvPicPr>
+            <a:picLocks noChangeAspect="1"/>
+          </p:cNvPicPr>
+          <p:nvPr/>
+        </p:nvPicPr>
+        <p:blipFill>
+          <a:blip r:embed="rId4"/>
+          <a:stretch>
+            <a:fillRect/>
+          </a:stretch>
+        </p:blipFill>
+        <p:spPr>
+          <a:xfrm>
+            <a:off x="8392278" y="2519439"/>
+            <a:ext cx="1555262" cy="1555262"/>
+          </a:xfrm>
+          <a:prstGeom prst="rect">
+            <a:avLst/>
+          </a:prstGeom>
+        </p:spPr>
+      </p:pic>
+      <p:pic>
+        <p:nvPicPr>
+          <p:cNvPr id="14" name="Picture 13">
+            <a:extLst>
+              <a:ext uri="{FF2B5EF4-FFF2-40B4-BE49-F238E27FC236}">
+                <a16:creationId xmlns:a16="http://schemas.microsoft.com/office/drawing/2014/main" id="{031FD64C-95E3-4058-9D1E-3E00AA9B2267}"/>
+              </a:ext>
+            </a:extLst>
+          </p:cNvPr>
+          <p:cNvPicPr>
+            <a:picLocks noChangeAspect="1"/>
+          </p:cNvPicPr>
+          <p:nvPr/>
+        </p:nvPicPr>
+        <p:blipFill>
+          <a:blip r:embed="rId2"/>
+          <a:stretch>
+            <a:fillRect/>
+          </a:stretch>
+        </p:blipFill>
+        <p:spPr>
+          <a:xfrm>
+            <a:off x="2318146" y="5068696"/>
+            <a:ext cx="1041491" cy="1041491"/>
+          </a:xfrm>
+          <a:prstGeom prst="rect">
+            <a:avLst/>
+          </a:prstGeom>
+        </p:spPr>
+      </p:pic>
     </p:spTree>
     <p:extLst>
       <p:ext uri="{BB962C8B-B14F-4D97-AF65-F5344CB8AC3E}">
-        <p14:creationId xmlns:p14="http://schemas.microsoft.com/office/powerpoint/2010/main" val="164196777"/>
+        <p14:creationId xmlns:p14="http://schemas.microsoft.com/office/powerpoint/2010/main" val="1879515488"/>
       </p:ext>
     </p:extLst>
   </p:cSld>
@@ -3924,10 +4474,78 @@
       </p:grpSpPr>
       <p:sp>
         <p:nvSpPr>
-          <p:cNvPr id="5" name="Plus Sign 4">
-            <a:extLst>
-              <a:ext uri="{FF2B5EF4-FFF2-40B4-BE49-F238E27FC236}">
-                <a16:creationId xmlns:a16="http://schemas.microsoft.com/office/drawing/2014/main" id="{18900B3C-32EA-4F81-920B-13FF7E4A7B13}"/>
+          <p:cNvPr id="2" name="Title 1">
+            <a:extLst>
+              <a:ext uri="{FF2B5EF4-FFF2-40B4-BE49-F238E27FC236}">
+                <a16:creationId xmlns:a16="http://schemas.microsoft.com/office/drawing/2014/main" id="{3BF51ECB-3796-4BE2-A1D4-0D38EEF4D172}"/>
+              </a:ext>
+            </a:extLst>
+          </p:cNvPr>
+          <p:cNvSpPr>
+            <a:spLocks noGrp="1"/>
+          </p:cNvSpPr>
+          <p:nvPr>
+            <p:ph type="title"/>
+          </p:nvPr>
+        </p:nvSpPr>
+        <p:spPr/>
+        <p:txBody>
+          <a:bodyPr/>
+          <a:lstStyle/>
+          <a:p>
+            <a:r>
+              <a:rPr lang="en-CA" dirty="0"/>
+              <a:t>Early methods</a:t>
+            </a:r>
+          </a:p>
+        </p:txBody>
+      </p:sp>
+      <p:sp>
+        <p:nvSpPr>
+          <p:cNvPr id="3" name="Content Placeholder 2">
+            <a:extLst>
+              <a:ext uri="{FF2B5EF4-FFF2-40B4-BE49-F238E27FC236}">
+                <a16:creationId xmlns:a16="http://schemas.microsoft.com/office/drawing/2014/main" id="{43958580-6E48-4443-A947-586B39E83B5E}"/>
+              </a:ext>
+            </a:extLst>
+          </p:cNvPr>
+          <p:cNvSpPr>
+            <a:spLocks noGrp="1"/>
+          </p:cNvSpPr>
+          <p:nvPr>
+            <p:ph idx="1"/>
+          </p:nvPr>
+        </p:nvSpPr>
+        <p:spPr/>
+        <p:txBody>
+          <a:bodyPr/>
+          <a:lstStyle/>
+          <a:p>
+            <a:r>
+              <a:rPr lang="en-CA" dirty="0"/>
+              <a:t>Opcode ratios – Does not work across opt</a:t>
+            </a:r>
+          </a:p>
+          <a:p>
+            <a:r>
+              <a:rPr lang="en-CA" dirty="0"/>
+              <a:t>Longest common subsequence – Does not work across arch</a:t>
+            </a:r>
+          </a:p>
+          <a:p>
+            <a:r>
+              <a:rPr lang="en-CA" dirty="0"/>
+              <a:t>Graph edit distance – Intractable on large functions</a:t>
+            </a:r>
+          </a:p>
+        </p:txBody>
+      </p:sp>
+      <p:sp>
+        <p:nvSpPr>
+          <p:cNvPr id="4" name="Isosceles Triangle 3">
+            <a:extLst>
+              <a:ext uri="{FF2B5EF4-FFF2-40B4-BE49-F238E27FC236}">
+                <a16:creationId xmlns:a16="http://schemas.microsoft.com/office/drawing/2014/main" id="{4AC05AA5-6A74-45A3-B6B6-D8F343C4A36C}"/>
               </a:ext>
             </a:extLst>
           </p:cNvPr>
@@ -3935,15 +4553,15 @@
           <p:nvPr/>
         </p:nvSpPr>
         <p:spPr>
-          <a:xfrm rot="6213315">
-            <a:off x="8297093" y="553719"/>
-            <a:ext cx="2340227" cy="2340227"/>
-          </a:xfrm>
-          <a:prstGeom prst="mathPlus">
+          <a:xfrm rot="560992">
+            <a:off x="427575" y="4511061"/>
+            <a:ext cx="1868968" cy="1611180"/>
+          </a:xfrm>
+          <a:prstGeom prst="triangle">
             <a:avLst/>
           </a:prstGeom>
           <a:solidFill>
-            <a:srgbClr val="2514FF"/>
+            <a:srgbClr val="FFCC00"/>
           </a:solidFill>
           <a:ln>
             <a:noFill/>
@@ -3970,59 +4588,6 @@
           <a:lstStyle/>
           <a:p>
             <a:pPr algn="ctr"/>
-            <a:endParaRPr lang="en-CA"/>
-          </a:p>
-        </p:txBody>
-      </p:sp>
-      <p:sp>
-        <p:nvSpPr>
-          <p:cNvPr id="2" name="Title 1">
-            <a:extLst>
-              <a:ext uri="{FF2B5EF4-FFF2-40B4-BE49-F238E27FC236}">
-                <a16:creationId xmlns:a16="http://schemas.microsoft.com/office/drawing/2014/main" id="{2E8DC468-7D0A-4CC0-B096-A087E8634A74}"/>
-              </a:ext>
-            </a:extLst>
-          </p:cNvPr>
-          <p:cNvSpPr>
-            <a:spLocks noGrp="1"/>
-          </p:cNvSpPr>
-          <p:nvPr>
-            <p:ph type="title"/>
-          </p:nvPr>
-        </p:nvSpPr>
-        <p:spPr/>
-        <p:txBody>
-          <a:bodyPr/>
-          <a:lstStyle/>
-          <a:p>
-            <a:r>
-              <a:rPr lang="en-CA" dirty="0"/>
-              <a:t>What we do</a:t>
-            </a:r>
-          </a:p>
-        </p:txBody>
-      </p:sp>
-      <p:sp>
-        <p:nvSpPr>
-          <p:cNvPr id="3" name="Content Placeholder 2">
-            <a:extLst>
-              <a:ext uri="{FF2B5EF4-FFF2-40B4-BE49-F238E27FC236}">
-                <a16:creationId xmlns:a16="http://schemas.microsoft.com/office/drawing/2014/main" id="{F7636949-E802-4316-8831-D0A0DEF3D46F}"/>
-              </a:ext>
-            </a:extLst>
-          </p:cNvPr>
-          <p:cNvSpPr>
-            <a:spLocks noGrp="1"/>
-          </p:cNvSpPr>
-          <p:nvPr>
-            <p:ph idx="1"/>
-          </p:nvPr>
-        </p:nvSpPr>
-        <p:spPr/>
-        <p:txBody>
-          <a:bodyPr/>
-          <a:lstStyle/>
-          <a:p>
             <a:endParaRPr lang="en-CA" dirty="0"/>
           </a:p>
         </p:txBody>
@@ -4030,7 +4595,7 @@
     </p:spTree>
     <p:extLst>
       <p:ext uri="{BB962C8B-B14F-4D97-AF65-F5344CB8AC3E}">
-        <p14:creationId xmlns:p14="http://schemas.microsoft.com/office/powerpoint/2010/main" val="4007684814"/>
+        <p14:creationId xmlns:p14="http://schemas.microsoft.com/office/powerpoint/2010/main" val="2273288100"/>
       </p:ext>
     </p:extLst>
   </p:cSld>
@@ -4059,10 +4624,67 @@
       </p:grpSpPr>
       <p:sp>
         <p:nvSpPr>
-          <p:cNvPr id="5" name="Heptagon 4">
-            <a:extLst>
-              <a:ext uri="{FF2B5EF4-FFF2-40B4-BE49-F238E27FC236}">
-                <a16:creationId xmlns:a16="http://schemas.microsoft.com/office/drawing/2014/main" id="{6D934F71-14F3-4A4B-8877-A86B98768BF1}"/>
+          <p:cNvPr id="2" name="Title 1">
+            <a:extLst>
+              <a:ext uri="{FF2B5EF4-FFF2-40B4-BE49-F238E27FC236}">
+                <a16:creationId xmlns:a16="http://schemas.microsoft.com/office/drawing/2014/main" id="{4708D53D-5AC3-4167-A99B-FD0CB9ED4B78}"/>
+              </a:ext>
+            </a:extLst>
+          </p:cNvPr>
+          <p:cNvSpPr>
+            <a:spLocks noGrp="1"/>
+          </p:cNvSpPr>
+          <p:nvPr>
+            <p:ph type="title"/>
+          </p:nvPr>
+        </p:nvSpPr>
+        <p:spPr/>
+        <p:txBody>
+          <a:bodyPr/>
+          <a:lstStyle/>
+          <a:p>
+            <a:r>
+              <a:rPr lang="en-CA" dirty="0"/>
+              <a:t>Recent Methods</a:t>
+            </a:r>
+          </a:p>
+        </p:txBody>
+      </p:sp>
+      <p:pic>
+        <p:nvPicPr>
+          <p:cNvPr id="6" name="Content Placeholder 5">
+            <a:extLst>
+              <a:ext uri="{FF2B5EF4-FFF2-40B4-BE49-F238E27FC236}">
+                <a16:creationId xmlns:a16="http://schemas.microsoft.com/office/drawing/2014/main" id="{224E2B86-4B7B-474A-A519-B19CFE3B0CBF}"/>
+              </a:ext>
+            </a:extLst>
+          </p:cNvPr>
+          <p:cNvPicPr>
+            <a:picLocks noGrp="1" noChangeAspect="1"/>
+          </p:cNvPicPr>
+          <p:nvPr>
+            <p:ph idx="1"/>
+          </p:nvPr>
+        </p:nvPicPr>
+        <p:blipFill>
+          <a:blip r:embed="rId2"/>
+          <a:stretch>
+            <a:fillRect/>
+          </a:stretch>
+        </p:blipFill>
+        <p:spPr>
+          <a:xfrm>
+            <a:off x="4034814" y="1496647"/>
+            <a:ext cx="2061186" cy="2061186"/>
+          </a:xfrm>
+        </p:spPr>
+      </p:pic>
+      <p:sp>
+        <p:nvSpPr>
+          <p:cNvPr id="5" name="Partial Circle 4">
+            <a:extLst>
+              <a:ext uri="{FF2B5EF4-FFF2-40B4-BE49-F238E27FC236}">
+                <a16:creationId xmlns:a16="http://schemas.microsoft.com/office/drawing/2014/main" id="{80577D6E-43CE-444C-BE16-A2780F1FE44F}"/>
               </a:ext>
             </a:extLst>
           </p:cNvPr>
@@ -4070,15 +4692,18 @@
           <p:nvPr/>
         </p:nvSpPr>
         <p:spPr>
-          <a:xfrm rot="20819542">
-            <a:off x="74687" y="1195942"/>
-            <a:ext cx="1685229" cy="1685229"/>
-          </a:xfrm>
-          <a:prstGeom prst="heptagon">
-            <a:avLst/>
+          <a:xfrm>
+            <a:off x="8804031" y="3727939"/>
+            <a:ext cx="2305538" cy="2305538"/>
+          </a:xfrm>
+          <a:prstGeom prst="pie">
+            <a:avLst>
+              <a:gd name="adj1" fmla="val 0"/>
+              <a:gd name="adj2" fmla="val 6860271"/>
+            </a:avLst>
           </a:prstGeom>
           <a:solidFill>
-            <a:srgbClr val="F62155"/>
+            <a:srgbClr val="40EA91"/>
           </a:solidFill>
           <a:ln>
             <a:noFill/>
@@ -4105,67 +4730,144 @@
           <a:lstStyle/>
           <a:p>
             <a:pPr algn="ctr"/>
-            <a:endParaRPr lang="en-CA"/>
-          </a:p>
-        </p:txBody>
-      </p:sp>
-      <p:sp>
-        <p:nvSpPr>
-          <p:cNvPr id="2" name="Title 1">
-            <a:extLst>
-              <a:ext uri="{FF2B5EF4-FFF2-40B4-BE49-F238E27FC236}">
-                <a16:creationId xmlns:a16="http://schemas.microsoft.com/office/drawing/2014/main" id="{C55A4121-C55C-4E0A-A150-BFC4B624E5A9}"/>
-              </a:ext>
-            </a:extLst>
-          </p:cNvPr>
-          <p:cNvSpPr>
-            <a:spLocks noGrp="1"/>
-          </p:cNvSpPr>
-          <p:nvPr>
-            <p:ph type="title"/>
-          </p:nvPr>
-        </p:nvSpPr>
-        <p:spPr/>
-        <p:txBody>
-          <a:bodyPr/>
-          <a:lstStyle/>
-          <a:p>
-            <a:r>
-              <a:rPr lang="en-CA" dirty="0"/>
-              <a:t>Example</a:t>
-            </a:r>
-          </a:p>
-        </p:txBody>
-      </p:sp>
-      <p:sp>
-        <p:nvSpPr>
-          <p:cNvPr id="3" name="Content Placeholder 2">
-            <a:extLst>
-              <a:ext uri="{FF2B5EF4-FFF2-40B4-BE49-F238E27FC236}">
-                <a16:creationId xmlns:a16="http://schemas.microsoft.com/office/drawing/2014/main" id="{842DEB7A-549F-4A56-A971-34902C302300}"/>
-              </a:ext>
-            </a:extLst>
-          </p:cNvPr>
-          <p:cNvSpPr>
-            <a:spLocks noGrp="1"/>
-          </p:cNvSpPr>
-          <p:nvPr>
-            <p:ph idx="1"/>
-          </p:nvPr>
-        </p:nvSpPr>
-        <p:spPr/>
-        <p:txBody>
-          <a:bodyPr/>
-          <a:lstStyle/>
-          <a:p>
+            <a:endParaRPr lang="en-CA">
+              <a:solidFill>
+                <a:schemeClr val="tx1"/>
+              </a:solidFill>
+            </a:endParaRPr>
+          </a:p>
+        </p:txBody>
+      </p:sp>
+      <p:pic>
+        <p:nvPicPr>
+          <p:cNvPr id="7" name="Picture 6">
+            <a:extLst>
+              <a:ext uri="{FF2B5EF4-FFF2-40B4-BE49-F238E27FC236}">
+                <a16:creationId xmlns:a16="http://schemas.microsoft.com/office/drawing/2014/main" id="{8A7CEDDF-E78B-4F80-AD7F-92688ACA027C}"/>
+              </a:ext>
+            </a:extLst>
+          </p:cNvPr>
+          <p:cNvPicPr>
+            <a:picLocks noChangeAspect="1"/>
+          </p:cNvPicPr>
+          <p:nvPr/>
+        </p:nvPicPr>
+        <p:blipFill>
+          <a:blip r:embed="rId3"/>
+          <a:stretch>
+            <a:fillRect/>
+          </a:stretch>
+        </p:blipFill>
+        <p:spPr>
+          <a:xfrm>
+            <a:off x="988616" y="2006494"/>
+            <a:ext cx="1041491" cy="1041491"/>
+          </a:xfrm>
+          <a:prstGeom prst="rect">
+            <a:avLst/>
+          </a:prstGeom>
+        </p:spPr>
+      </p:pic>
+      <p:pic>
+        <p:nvPicPr>
+          <p:cNvPr id="9" name="Picture 8">
+            <a:extLst>
+              <a:ext uri="{FF2B5EF4-FFF2-40B4-BE49-F238E27FC236}">
+                <a16:creationId xmlns:a16="http://schemas.microsoft.com/office/drawing/2014/main" id="{1B0F8265-5267-45B7-A274-605B888A6715}"/>
+              </a:ext>
+            </a:extLst>
+          </p:cNvPr>
+          <p:cNvPicPr>
+            <a:picLocks noChangeAspect="1"/>
+          </p:cNvPicPr>
+          <p:nvPr/>
+        </p:nvPicPr>
+        <p:blipFill>
+          <a:blip r:embed="rId4"/>
+          <a:stretch>
+            <a:fillRect/>
+          </a:stretch>
+        </p:blipFill>
+        <p:spPr>
+          <a:xfrm>
+            <a:off x="8921261" y="1529861"/>
+            <a:ext cx="1693985" cy="1693985"/>
+          </a:xfrm>
+          <a:prstGeom prst="rect">
+            <a:avLst/>
+          </a:prstGeom>
+        </p:spPr>
+      </p:pic>
+      <p:sp>
+        <p:nvSpPr>
+          <p:cNvPr id="11" name="TextBox 10">
+            <a:extLst>
+              <a:ext uri="{FF2B5EF4-FFF2-40B4-BE49-F238E27FC236}">
+                <a16:creationId xmlns:a16="http://schemas.microsoft.com/office/drawing/2014/main" id="{545B92BB-6E86-4597-9C58-2BAED1951781}"/>
+              </a:ext>
+            </a:extLst>
+          </p:cNvPr>
+          <p:cNvSpPr txBox="1"/>
+          <p:nvPr/>
+        </p:nvSpPr>
+        <p:spPr>
+          <a:xfrm>
+            <a:off x="1289539" y="4273166"/>
+            <a:ext cx="6096000" cy="1569660"/>
+          </a:xfrm>
+          <a:prstGeom prst="rect">
+            <a:avLst/>
+          </a:prstGeom>
+          <a:noFill/>
+        </p:spPr>
+        <p:txBody>
+          <a:bodyPr wrap="square">
+            <a:spAutoFit/>
+          </a:bodyPr>
+          <a:lstStyle/>
+          <a:p>
+            <a:r>
+              <a:rPr lang="en-CA" sz="9600" dirty="0"/>
+              <a:t>🤷‍♂️</a:t>
+            </a:r>
             <a:endParaRPr lang="en-CA" dirty="0"/>
           </a:p>
         </p:txBody>
       </p:sp>
+      <p:pic>
+        <p:nvPicPr>
+          <p:cNvPr id="12" name="Picture 11">
+            <a:extLst>
+              <a:ext uri="{FF2B5EF4-FFF2-40B4-BE49-F238E27FC236}">
+                <a16:creationId xmlns:a16="http://schemas.microsoft.com/office/drawing/2014/main" id="{81F54E1A-7A1B-4466-8D95-921F43D1DC54}"/>
+              </a:ext>
+            </a:extLst>
+          </p:cNvPr>
+          <p:cNvPicPr>
+            <a:picLocks noChangeAspect="1"/>
+          </p:cNvPicPr>
+          <p:nvPr/>
+        </p:nvPicPr>
+        <p:blipFill>
+          <a:blip r:embed="rId5"/>
+          <a:stretch>
+            <a:fillRect/>
+          </a:stretch>
+        </p:blipFill>
+        <p:spPr>
+          <a:xfrm>
+            <a:off x="6765236" y="4376615"/>
+            <a:ext cx="1362763" cy="1362763"/>
+          </a:xfrm>
+          <a:prstGeom prst="rect">
+            <a:avLst/>
+          </a:prstGeom>
+        </p:spPr>
+      </p:pic>
     </p:spTree>
     <p:extLst>
       <p:ext uri="{BB962C8B-B14F-4D97-AF65-F5344CB8AC3E}">
-        <p14:creationId xmlns:p14="http://schemas.microsoft.com/office/powerpoint/2010/main" val="3765750549"/>
+        <p14:creationId xmlns:p14="http://schemas.microsoft.com/office/powerpoint/2010/main" val="164196777"/>
       </p:ext>
     </p:extLst>
   </p:cSld>
@@ -4194,63 +4896,10 @@
       </p:grpSpPr>
       <p:sp>
         <p:nvSpPr>
-          <p:cNvPr id="2" name="Title 1">
-            <a:extLst>
-              <a:ext uri="{FF2B5EF4-FFF2-40B4-BE49-F238E27FC236}">
-                <a16:creationId xmlns:a16="http://schemas.microsoft.com/office/drawing/2014/main" id="{3BBF8D98-4EBE-4D20-B14A-FF1F550497A4}"/>
-              </a:ext>
-            </a:extLst>
-          </p:cNvPr>
-          <p:cNvSpPr>
-            <a:spLocks noGrp="1"/>
-          </p:cNvSpPr>
-          <p:nvPr>
-            <p:ph type="title"/>
-          </p:nvPr>
-        </p:nvSpPr>
-        <p:spPr/>
-        <p:txBody>
-          <a:bodyPr/>
-          <a:lstStyle/>
-          <a:p>
-            <a:r>
-              <a:rPr lang="en-CA" dirty="0"/>
-              <a:t>Results</a:t>
-            </a:r>
-          </a:p>
-        </p:txBody>
-      </p:sp>
-      <p:sp>
-        <p:nvSpPr>
-          <p:cNvPr id="3" name="Content Placeholder 2">
-            <a:extLst>
-              <a:ext uri="{FF2B5EF4-FFF2-40B4-BE49-F238E27FC236}">
-                <a16:creationId xmlns:a16="http://schemas.microsoft.com/office/drawing/2014/main" id="{4B335978-4723-49D2-A9A7-F1E17E8E1917}"/>
-              </a:ext>
-            </a:extLst>
-          </p:cNvPr>
-          <p:cNvSpPr>
-            <a:spLocks noGrp="1"/>
-          </p:cNvSpPr>
-          <p:nvPr>
-            <p:ph idx="1"/>
-          </p:nvPr>
-        </p:nvSpPr>
-        <p:spPr/>
-        <p:txBody>
-          <a:bodyPr/>
-          <a:lstStyle/>
-          <a:p>
-            <a:endParaRPr lang="en-CA" dirty="0"/>
-          </a:p>
-        </p:txBody>
-      </p:sp>
-      <p:sp>
-        <p:nvSpPr>
-          <p:cNvPr id="6" name="Rectangle: Single Corner Snipped 5">
-            <a:extLst>
-              <a:ext uri="{FF2B5EF4-FFF2-40B4-BE49-F238E27FC236}">
-                <a16:creationId xmlns:a16="http://schemas.microsoft.com/office/drawing/2014/main" id="{A1FD76DF-2387-4ACA-AE5D-72A3E5EA6BD4}"/>
+          <p:cNvPr id="5" name="Plus Sign 4">
+            <a:extLst>
+              <a:ext uri="{FF2B5EF4-FFF2-40B4-BE49-F238E27FC236}">
+                <a16:creationId xmlns:a16="http://schemas.microsoft.com/office/drawing/2014/main" id="{18900B3C-32EA-4F81-920B-13FF7E4A7B13}"/>
               </a:ext>
             </a:extLst>
           </p:cNvPr>
@@ -4258,17 +4907,15 @@
           <p:nvPr/>
         </p:nvSpPr>
         <p:spPr>
-          <a:xfrm rot="8078944">
-            <a:off x="500070" y="4949377"/>
-            <a:ext cx="1042886" cy="1377210"/>
-          </a:xfrm>
-          <a:prstGeom prst="snip1Rect">
-            <a:avLst>
-              <a:gd name="adj" fmla="val 50000"/>
-            </a:avLst>
+          <a:xfrm rot="6213315">
+            <a:off x="8297093" y="553719"/>
+            <a:ext cx="2340227" cy="2340227"/>
+          </a:xfrm>
+          <a:prstGeom prst="mathPlus">
+            <a:avLst/>
           </a:prstGeom>
           <a:solidFill>
-            <a:srgbClr val="FFCC00"/>
+            <a:srgbClr val="2514FF"/>
           </a:solidFill>
           <a:ln>
             <a:noFill/>
@@ -4299,10 +4946,68 @@
           </a:p>
         </p:txBody>
       </p:sp>
+      <p:sp>
+        <p:nvSpPr>
+          <p:cNvPr id="2" name="Title 1">
+            <a:extLst>
+              <a:ext uri="{FF2B5EF4-FFF2-40B4-BE49-F238E27FC236}">
+                <a16:creationId xmlns:a16="http://schemas.microsoft.com/office/drawing/2014/main" id="{2E8DC468-7D0A-4CC0-B096-A087E8634A74}"/>
+              </a:ext>
+            </a:extLst>
+          </p:cNvPr>
+          <p:cNvSpPr>
+            <a:spLocks noGrp="1"/>
+          </p:cNvSpPr>
+          <p:nvPr>
+            <p:ph type="title"/>
+          </p:nvPr>
+        </p:nvSpPr>
+        <p:spPr/>
+        <p:txBody>
+          <a:bodyPr/>
+          <a:lstStyle/>
+          <a:p>
+            <a:r>
+              <a:rPr lang="en-CA" dirty="0"/>
+              <a:t>What we do</a:t>
+            </a:r>
+          </a:p>
+        </p:txBody>
+      </p:sp>
+      <p:pic>
+        <p:nvPicPr>
+          <p:cNvPr id="6" name="Content Placeholder 5">
+            <a:extLst>
+              <a:ext uri="{FF2B5EF4-FFF2-40B4-BE49-F238E27FC236}">
+                <a16:creationId xmlns:a16="http://schemas.microsoft.com/office/drawing/2014/main" id="{EB5E5BA3-9429-474E-ACA9-184604562DF3}"/>
+              </a:ext>
+            </a:extLst>
+          </p:cNvPr>
+          <p:cNvPicPr>
+            <a:picLocks noChangeAspect="1"/>
+          </p:cNvPicPr>
+          <p:nvPr/>
+        </p:nvPicPr>
+        <p:blipFill>
+          <a:blip r:embed="rId2"/>
+          <a:stretch>
+            <a:fillRect/>
+          </a:stretch>
+        </p:blipFill>
+        <p:spPr>
+          <a:xfrm>
+            <a:off x="3354875" y="2314087"/>
+            <a:ext cx="2061186" cy="2061186"/>
+          </a:xfrm>
+          <a:prstGeom prst="rect">
+            <a:avLst/>
+          </a:prstGeom>
+        </p:spPr>
+      </p:pic>
     </p:spTree>
     <p:extLst>
       <p:ext uri="{BB962C8B-B14F-4D97-AF65-F5344CB8AC3E}">
-        <p14:creationId xmlns:p14="http://schemas.microsoft.com/office/powerpoint/2010/main" val="1143365770"/>
+        <p14:creationId xmlns:p14="http://schemas.microsoft.com/office/powerpoint/2010/main" val="4007684814"/>
       </p:ext>
     </p:extLst>
   </p:cSld>
@@ -4331,63 +5036,10 @@
       </p:grpSpPr>
       <p:sp>
         <p:nvSpPr>
-          <p:cNvPr id="2" name="Title 1">
-            <a:extLst>
-              <a:ext uri="{FF2B5EF4-FFF2-40B4-BE49-F238E27FC236}">
-                <a16:creationId xmlns:a16="http://schemas.microsoft.com/office/drawing/2014/main" id="{DF5DB316-1226-4D5B-9934-A3298F86C16A}"/>
-              </a:ext>
-            </a:extLst>
-          </p:cNvPr>
-          <p:cNvSpPr>
-            <a:spLocks noGrp="1"/>
-          </p:cNvSpPr>
-          <p:nvPr>
-            <p:ph type="title"/>
-          </p:nvPr>
-        </p:nvSpPr>
-        <p:spPr/>
-        <p:txBody>
-          <a:bodyPr/>
-          <a:lstStyle/>
-          <a:p>
-            <a:r>
-              <a:rPr lang="en-CA" dirty="0"/>
-              <a:t>Thanks</a:t>
-            </a:r>
-          </a:p>
-        </p:txBody>
-      </p:sp>
-      <p:sp>
-        <p:nvSpPr>
-          <p:cNvPr id="3" name="Content Placeholder 2">
-            <a:extLst>
-              <a:ext uri="{FF2B5EF4-FFF2-40B4-BE49-F238E27FC236}">
-                <a16:creationId xmlns:a16="http://schemas.microsoft.com/office/drawing/2014/main" id="{BB2798A0-8217-4781-A322-C40A6A89FB2B}"/>
-              </a:ext>
-            </a:extLst>
-          </p:cNvPr>
-          <p:cNvSpPr>
-            <a:spLocks noGrp="1"/>
-          </p:cNvSpPr>
-          <p:nvPr>
-            <p:ph idx="1"/>
-          </p:nvPr>
-        </p:nvSpPr>
-        <p:spPr/>
-        <p:txBody>
-          <a:bodyPr/>
-          <a:lstStyle/>
-          <a:p>
-            <a:endParaRPr lang="en-CA" dirty="0"/>
-          </a:p>
-        </p:txBody>
-      </p:sp>
-      <p:sp>
-        <p:nvSpPr>
-          <p:cNvPr id="4" name="Rectangle 3">
-            <a:extLst>
-              <a:ext uri="{FF2B5EF4-FFF2-40B4-BE49-F238E27FC236}">
-                <a16:creationId xmlns:a16="http://schemas.microsoft.com/office/drawing/2014/main" id="{7A1B61E0-ED79-4390-BF17-906B0AFF297F}"/>
+          <p:cNvPr id="5" name="Heptagon 4">
+            <a:extLst>
+              <a:ext uri="{FF2B5EF4-FFF2-40B4-BE49-F238E27FC236}">
+                <a16:creationId xmlns:a16="http://schemas.microsoft.com/office/drawing/2014/main" id="{6D934F71-14F3-4A4B-8877-A86B98768BF1}"/>
               </a:ext>
             </a:extLst>
           </p:cNvPr>
@@ -4395,15 +5047,15 @@
           <p:nvPr/>
         </p:nvSpPr>
         <p:spPr>
-          <a:xfrm>
-            <a:off x="9343291" y="4492747"/>
-            <a:ext cx="1758462" cy="1758462"/>
-          </a:xfrm>
-          <a:prstGeom prst="rect">
+          <a:xfrm rot="20819542">
+            <a:off x="74687" y="1195942"/>
+            <a:ext cx="1685229" cy="1685229"/>
+          </a:xfrm>
+          <a:prstGeom prst="heptagon">
             <a:avLst/>
           </a:prstGeom>
           <a:solidFill>
-            <a:srgbClr val="2995A6"/>
+            <a:srgbClr val="F62155"/>
           </a:solidFill>
           <a:ln>
             <a:noFill/>
@@ -4434,10 +5086,200 @@
           </a:p>
         </p:txBody>
       </p:sp>
+      <p:sp>
+        <p:nvSpPr>
+          <p:cNvPr id="2" name="Title 1">
+            <a:extLst>
+              <a:ext uri="{FF2B5EF4-FFF2-40B4-BE49-F238E27FC236}">
+                <a16:creationId xmlns:a16="http://schemas.microsoft.com/office/drawing/2014/main" id="{C55A4121-C55C-4E0A-A150-BFC4B624E5A9}"/>
+              </a:ext>
+            </a:extLst>
+          </p:cNvPr>
+          <p:cNvSpPr>
+            <a:spLocks noGrp="1"/>
+          </p:cNvSpPr>
+          <p:nvPr>
+            <p:ph type="title"/>
+          </p:nvPr>
+        </p:nvSpPr>
+        <p:spPr/>
+        <p:txBody>
+          <a:bodyPr/>
+          <a:lstStyle/>
+          <a:p>
+            <a:r>
+              <a:rPr lang="en-CA" dirty="0"/>
+              <a:t>Example</a:t>
+            </a:r>
+          </a:p>
+        </p:txBody>
+      </p:sp>
+      <p:sp>
+        <p:nvSpPr>
+          <p:cNvPr id="3" name="Content Placeholder 2">
+            <a:extLst>
+              <a:ext uri="{FF2B5EF4-FFF2-40B4-BE49-F238E27FC236}">
+                <a16:creationId xmlns:a16="http://schemas.microsoft.com/office/drawing/2014/main" id="{842DEB7A-549F-4A56-A971-34902C302300}"/>
+              </a:ext>
+            </a:extLst>
+          </p:cNvPr>
+          <p:cNvSpPr>
+            <a:spLocks noGrp="1"/>
+          </p:cNvSpPr>
+          <p:nvPr>
+            <p:ph idx="1"/>
+          </p:nvPr>
+        </p:nvSpPr>
+        <p:spPr/>
+        <p:txBody>
+          <a:bodyPr/>
+          <a:lstStyle/>
+          <a:p>
+            <a:endParaRPr lang="en-CA" dirty="0"/>
+          </a:p>
+        </p:txBody>
+      </p:sp>
     </p:spTree>
     <p:extLst>
       <p:ext uri="{BB962C8B-B14F-4D97-AF65-F5344CB8AC3E}">
-        <p14:creationId xmlns:p14="http://schemas.microsoft.com/office/powerpoint/2010/main" val="3130568212"/>
+        <p14:creationId xmlns:p14="http://schemas.microsoft.com/office/powerpoint/2010/main" val="3765750549"/>
+      </p:ext>
+    </p:extLst>
+  </p:cSld>
+  <p:clrMapOvr>
+    <a:masterClrMapping/>
+  </p:clrMapOvr>
+</p:sld>
+</file>
+
+<file path=ppt/slides/slide9.xml><?xml version="1.0" encoding="utf-8"?>
+<p:sld xmlns:a="http://schemas.openxmlformats.org/drawingml/2006/main" xmlns:r="http://schemas.openxmlformats.org/officeDocument/2006/relationships" xmlns:p="http://schemas.openxmlformats.org/presentationml/2006/main">
+  <p:cSld>
+    <p:spTree>
+      <p:nvGrpSpPr>
+        <p:cNvPr id="1" name=""/>
+        <p:cNvGrpSpPr/>
+        <p:nvPr/>
+      </p:nvGrpSpPr>
+      <p:grpSpPr>
+        <a:xfrm>
+          <a:off x="0" y="0"/>
+          <a:ext cx="0" cy="0"/>
+          <a:chOff x="0" y="0"/>
+          <a:chExt cx="0" cy="0"/>
+        </a:xfrm>
+      </p:grpSpPr>
+      <p:sp>
+        <p:nvSpPr>
+          <p:cNvPr id="2" name="Title 1">
+            <a:extLst>
+              <a:ext uri="{FF2B5EF4-FFF2-40B4-BE49-F238E27FC236}">
+                <a16:creationId xmlns:a16="http://schemas.microsoft.com/office/drawing/2014/main" id="{3BBF8D98-4EBE-4D20-B14A-FF1F550497A4}"/>
+              </a:ext>
+            </a:extLst>
+          </p:cNvPr>
+          <p:cNvSpPr>
+            <a:spLocks noGrp="1"/>
+          </p:cNvSpPr>
+          <p:nvPr>
+            <p:ph type="title"/>
+          </p:nvPr>
+        </p:nvSpPr>
+        <p:spPr/>
+        <p:txBody>
+          <a:bodyPr/>
+          <a:lstStyle/>
+          <a:p>
+            <a:r>
+              <a:rPr lang="en-CA" dirty="0"/>
+              <a:t>Results</a:t>
+            </a:r>
+          </a:p>
+        </p:txBody>
+      </p:sp>
+      <p:sp>
+        <p:nvSpPr>
+          <p:cNvPr id="3" name="Content Placeholder 2">
+            <a:extLst>
+              <a:ext uri="{FF2B5EF4-FFF2-40B4-BE49-F238E27FC236}">
+                <a16:creationId xmlns:a16="http://schemas.microsoft.com/office/drawing/2014/main" id="{4B335978-4723-49D2-A9A7-F1E17E8E1917}"/>
+              </a:ext>
+            </a:extLst>
+          </p:cNvPr>
+          <p:cNvSpPr>
+            <a:spLocks noGrp="1"/>
+          </p:cNvSpPr>
+          <p:nvPr>
+            <p:ph idx="1"/>
+          </p:nvPr>
+        </p:nvSpPr>
+        <p:spPr/>
+        <p:txBody>
+          <a:bodyPr/>
+          <a:lstStyle/>
+          <a:p>
+            <a:endParaRPr lang="en-CA" dirty="0"/>
+          </a:p>
+        </p:txBody>
+      </p:sp>
+      <p:sp>
+        <p:nvSpPr>
+          <p:cNvPr id="6" name="Rectangle: Single Corner Snipped 5">
+            <a:extLst>
+              <a:ext uri="{FF2B5EF4-FFF2-40B4-BE49-F238E27FC236}">
+                <a16:creationId xmlns:a16="http://schemas.microsoft.com/office/drawing/2014/main" id="{A1FD76DF-2387-4ACA-AE5D-72A3E5EA6BD4}"/>
+              </a:ext>
+            </a:extLst>
+          </p:cNvPr>
+          <p:cNvSpPr/>
+          <p:nvPr/>
+        </p:nvSpPr>
+        <p:spPr>
+          <a:xfrm rot="8078944">
+            <a:off x="500070" y="4949377"/>
+            <a:ext cx="1042886" cy="1377210"/>
+          </a:xfrm>
+          <a:prstGeom prst="snip1Rect">
+            <a:avLst>
+              <a:gd name="adj" fmla="val 50000"/>
+            </a:avLst>
+          </a:prstGeom>
+          <a:solidFill>
+            <a:srgbClr val="FFCC00"/>
+          </a:solidFill>
+          <a:ln>
+            <a:noFill/>
+          </a:ln>
+        </p:spPr>
+        <p:style>
+          <a:lnRef idx="2">
+            <a:schemeClr val="accent1">
+              <a:shade val="50000"/>
+            </a:schemeClr>
+          </a:lnRef>
+          <a:fillRef idx="1">
+            <a:schemeClr val="accent1"/>
+          </a:fillRef>
+          <a:effectRef idx="0">
+            <a:schemeClr val="accent1"/>
+          </a:effectRef>
+          <a:fontRef idx="minor">
+            <a:schemeClr val="lt1"/>
+          </a:fontRef>
+        </p:style>
+        <p:txBody>
+          <a:bodyPr rtlCol="0" anchor="ctr"/>
+          <a:lstStyle/>
+          <a:p>
+            <a:pPr algn="ctr"/>
+            <a:endParaRPr lang="en-CA"/>
+          </a:p>
+        </p:txBody>
+      </p:sp>
+    </p:spTree>
+    <p:extLst>
+      <p:ext uri="{BB962C8B-B14F-4D97-AF65-F5344CB8AC3E}">
+        <p14:creationId xmlns:p14="http://schemas.microsoft.com/office/powerpoint/2010/main" val="1143365770"/>
       </p:ext>
     </p:extLst>
   </p:cSld>
